--- a/ch1 basic.pptx
+++ b/ch1 basic.pptx
@@ -19,7 +19,7 @@
     <p:sldId id="295" r:id="rId10"/>
     <p:sldId id="296" r:id="rId11"/>
     <p:sldId id="297" r:id="rId12"/>
-    <p:sldId id="299" r:id="rId13"/>
+    <p:sldId id="387" r:id="rId13"/>
     <p:sldId id="307" r:id="rId14"/>
     <p:sldId id="310" r:id="rId15"/>
     <p:sldId id="381" r:id="rId16"/>
@@ -194,13 +194,428 @@
 <file path=ppt/revisionInfo.xml><?xml version="1.0" encoding="utf-8"?>
 <p1510:revInfo xmlns:a="http://schemas.openxmlformats.org/drawingml/2006/main" xmlns:r="http://schemas.openxmlformats.org/officeDocument/2006/relationships" xmlns:p1510="http://schemas.microsoft.com/office/powerpoint/2015/10/main">
   <p1510:revLst>
-    <p1510:client id="{302E8084-8BD4-4670-A0D5-A72F18CF5E10}" v="164" dt="2021-01-01T15:36:20.108"/>
+    <p1510:client id="{32D5A825-2652-448E-8DD4-C2CB5AB9B21A}" v="14" dt="2021-01-03T13:43:38.897"/>
   </p1510:revLst>
 </p1510:revInfo>
 </file>
 
 <file path=ppt/changesInfos/changesInfo1.xml><?xml version="1.0" encoding="utf-8"?>
 <pc:chgInfo xmlns:a="http://schemas.openxmlformats.org/drawingml/2006/main" xmlns:r="http://schemas.openxmlformats.org/officeDocument/2006/relationships" xmlns:ac="http://schemas.microsoft.com/office/drawing/2013/main/command" xmlns:pc="http://schemas.microsoft.com/office/powerpoint/2013/main/command">
+  <pc:docChgLst>
+    <pc:chgData name="KimNamhyoung" userId="442ac80a-8cd4-4165-8fc5-0e4ac214a370" providerId="ADAL" clId="{9D5B359D-A5D5-4737-B9F0-EC76152A0CAF}"/>
+    <pc:docChg chg="undo custSel modSld">
+      <pc:chgData name="KimNamhyoung" userId="442ac80a-8cd4-4165-8fc5-0e4ac214a370" providerId="ADAL" clId="{9D5B359D-A5D5-4737-B9F0-EC76152A0CAF}" dt="2020-01-07T02:57:48.287" v="310" actId="1076"/>
+      <pc:docMkLst>
+        <pc:docMk/>
+      </pc:docMkLst>
+      <pc:sldChg chg="modSp">
+        <pc:chgData name="KimNamhyoung" userId="442ac80a-8cd4-4165-8fc5-0e4ac214a370" providerId="ADAL" clId="{9D5B359D-A5D5-4737-B9F0-EC76152A0CAF}" dt="2019-12-31T09:16:15.393" v="65" actId="207"/>
+        <pc:sldMkLst>
+          <pc:docMk/>
+          <pc:sldMk cId="2667652555" sldId="291"/>
+        </pc:sldMkLst>
+        <pc:spChg chg="mod">
+          <ac:chgData name="KimNamhyoung" userId="442ac80a-8cd4-4165-8fc5-0e4ac214a370" providerId="ADAL" clId="{9D5B359D-A5D5-4737-B9F0-EC76152A0CAF}" dt="2019-12-31T09:16:15.393" v="65" actId="207"/>
+          <ac:spMkLst>
+            <pc:docMk/>
+            <pc:sldMk cId="2667652555" sldId="291"/>
+            <ac:spMk id="3" creationId="{00000000-0000-0000-0000-000000000000}"/>
+          </ac:spMkLst>
+        </pc:spChg>
+      </pc:sldChg>
+      <pc:sldChg chg="modSp">
+        <pc:chgData name="KimNamhyoung" userId="442ac80a-8cd4-4165-8fc5-0e4ac214a370" providerId="ADAL" clId="{9D5B359D-A5D5-4737-B9F0-EC76152A0CAF}" dt="2019-12-31T14:30:32.145" v="260" actId="20577"/>
+        <pc:sldMkLst>
+          <pc:docMk/>
+          <pc:sldMk cId="1791322728" sldId="299"/>
+        </pc:sldMkLst>
+        <pc:spChg chg="mod">
+          <ac:chgData name="KimNamhyoung" userId="442ac80a-8cd4-4165-8fc5-0e4ac214a370" providerId="ADAL" clId="{9D5B359D-A5D5-4737-B9F0-EC76152A0CAF}" dt="2019-12-31T14:30:32.145" v="260" actId="20577"/>
+          <ac:spMkLst>
+            <pc:docMk/>
+            <pc:sldMk cId="1791322728" sldId="299"/>
+            <ac:spMk id="2" creationId="{30A05CDF-51ED-4278-AA11-1745E5809FF2}"/>
+          </ac:spMkLst>
+        </pc:spChg>
+      </pc:sldChg>
+      <pc:sldChg chg="modSp">
+        <pc:chgData name="KimNamhyoung" userId="442ac80a-8cd4-4165-8fc5-0e4ac214a370" providerId="ADAL" clId="{9D5B359D-A5D5-4737-B9F0-EC76152A0CAF}" dt="2019-12-31T11:27:26.449" v="251"/>
+        <pc:sldMkLst>
+          <pc:docMk/>
+          <pc:sldMk cId="1402426098" sldId="300"/>
+        </pc:sldMkLst>
+        <pc:graphicFrameChg chg="mod modGraphic">
+          <ac:chgData name="KimNamhyoung" userId="442ac80a-8cd4-4165-8fc5-0e4ac214a370" providerId="ADAL" clId="{9D5B359D-A5D5-4737-B9F0-EC76152A0CAF}" dt="2019-12-31T11:27:26.449" v="251"/>
+          <ac:graphicFrameMkLst>
+            <pc:docMk/>
+            <pc:sldMk cId="1402426098" sldId="300"/>
+            <ac:graphicFrameMk id="4" creationId="{00000000-0000-0000-0000-000000000000}"/>
+          </ac:graphicFrameMkLst>
+        </pc:graphicFrameChg>
+      </pc:sldChg>
+      <pc:sldChg chg="addSp modSp">
+        <pc:chgData name="KimNamhyoung" userId="442ac80a-8cd4-4165-8fc5-0e4ac214a370" providerId="ADAL" clId="{9D5B359D-A5D5-4737-B9F0-EC76152A0CAF}" dt="2019-12-31T10:56:43.847" v="145" actId="164"/>
+        <pc:sldMkLst>
+          <pc:docMk/>
+          <pc:sldMk cId="1402426098" sldId="301"/>
+        </pc:sldMkLst>
+        <pc:spChg chg="mod">
+          <ac:chgData name="KimNamhyoung" userId="442ac80a-8cd4-4165-8fc5-0e4ac214a370" providerId="ADAL" clId="{9D5B359D-A5D5-4737-B9F0-EC76152A0CAF}" dt="2019-12-31T10:54:46.686" v="144" actId="12"/>
+          <ac:spMkLst>
+            <pc:docMk/>
+            <pc:sldMk cId="1402426098" sldId="301"/>
+            <ac:spMk id="3" creationId="{A78A9532-2F4F-4CDA-A6D8-C50136CBC3BD}"/>
+          </ac:spMkLst>
+        </pc:spChg>
+        <pc:spChg chg="add mod">
+          <ac:chgData name="KimNamhyoung" userId="442ac80a-8cd4-4165-8fc5-0e4ac214a370" providerId="ADAL" clId="{9D5B359D-A5D5-4737-B9F0-EC76152A0CAF}" dt="2019-12-31T10:56:43.847" v="145" actId="164"/>
+          <ac:spMkLst>
+            <pc:docMk/>
+            <pc:sldMk cId="1402426098" sldId="301"/>
+            <ac:spMk id="5" creationId="{707F1A66-48F9-481F-855B-B740A0A3E851}"/>
+          </ac:spMkLst>
+        </pc:spChg>
+        <pc:grpChg chg="add mod">
+          <ac:chgData name="KimNamhyoung" userId="442ac80a-8cd4-4165-8fc5-0e4ac214a370" providerId="ADAL" clId="{9D5B359D-A5D5-4737-B9F0-EC76152A0CAF}" dt="2019-12-31T10:56:43.847" v="145" actId="164"/>
+          <ac:grpSpMkLst>
+            <pc:docMk/>
+            <pc:sldMk cId="1402426098" sldId="301"/>
+            <ac:grpSpMk id="6" creationId="{E152F979-8680-482F-81D1-63086B8644D4}"/>
+          </ac:grpSpMkLst>
+        </pc:grpChg>
+        <pc:picChg chg="mod">
+          <ac:chgData name="KimNamhyoung" userId="442ac80a-8cd4-4165-8fc5-0e4ac214a370" providerId="ADAL" clId="{9D5B359D-A5D5-4737-B9F0-EC76152A0CAF}" dt="2019-12-31T10:56:43.847" v="145" actId="164"/>
+          <ac:picMkLst>
+            <pc:docMk/>
+            <pc:sldMk cId="1402426098" sldId="301"/>
+            <ac:picMk id="4" creationId="{235B477E-441B-4F26-9460-EAE60D61EAC8}"/>
+          </ac:picMkLst>
+        </pc:picChg>
+      </pc:sldChg>
+      <pc:sldChg chg="modSp">
+        <pc:chgData name="KimNamhyoung" userId="442ac80a-8cd4-4165-8fc5-0e4ac214a370" providerId="ADAL" clId="{9D5B359D-A5D5-4737-B9F0-EC76152A0CAF}" dt="2019-12-31T14:30:37.213" v="262" actId="20577"/>
+        <pc:sldMkLst>
+          <pc:docMk/>
+          <pc:sldMk cId="482145085" sldId="307"/>
+        </pc:sldMkLst>
+        <pc:spChg chg="mod">
+          <ac:chgData name="KimNamhyoung" userId="442ac80a-8cd4-4165-8fc5-0e4ac214a370" providerId="ADAL" clId="{9D5B359D-A5D5-4737-B9F0-EC76152A0CAF}" dt="2019-12-31T14:30:37.213" v="262" actId="20577"/>
+          <ac:spMkLst>
+            <pc:docMk/>
+            <pc:sldMk cId="482145085" sldId="307"/>
+            <ac:spMk id="2" creationId="{30A05CDF-51ED-4278-AA11-1745E5809FF2}"/>
+          </ac:spMkLst>
+        </pc:spChg>
+        <pc:graphicFrameChg chg="mod modGraphic">
+          <ac:chgData name="KimNamhyoung" userId="442ac80a-8cd4-4165-8fc5-0e4ac214a370" providerId="ADAL" clId="{9D5B359D-A5D5-4737-B9F0-EC76152A0CAF}" dt="2019-12-31T09:42:44.558" v="73" actId="403"/>
+          <ac:graphicFrameMkLst>
+            <pc:docMk/>
+            <pc:sldMk cId="482145085" sldId="307"/>
+            <ac:graphicFrameMk id="5" creationId="{00000000-0000-0000-0000-000000000000}"/>
+          </ac:graphicFrameMkLst>
+        </pc:graphicFrameChg>
+      </pc:sldChg>
+      <pc:sldChg chg="addSp delSp modSp">
+        <pc:chgData name="KimNamhyoung" userId="442ac80a-8cd4-4165-8fc5-0e4ac214a370" providerId="ADAL" clId="{9D5B359D-A5D5-4737-B9F0-EC76152A0CAF}" dt="2019-12-31T11:04:16.663" v="148" actId="1076"/>
+        <pc:sldMkLst>
+          <pc:docMk/>
+          <pc:sldMk cId="597129306" sldId="309"/>
+        </pc:sldMkLst>
+        <pc:picChg chg="del">
+          <ac:chgData name="KimNamhyoung" userId="442ac80a-8cd4-4165-8fc5-0e4ac214a370" providerId="ADAL" clId="{9D5B359D-A5D5-4737-B9F0-EC76152A0CAF}" dt="2019-12-31T11:03:39.442" v="146" actId="478"/>
+          <ac:picMkLst>
+            <pc:docMk/>
+            <pc:sldMk cId="597129306" sldId="309"/>
+            <ac:picMk id="4" creationId="{E9A8B126-D6B8-4C78-A654-FF8A93E2B903}"/>
+          </ac:picMkLst>
+        </pc:picChg>
+        <pc:picChg chg="add mod">
+          <ac:chgData name="KimNamhyoung" userId="442ac80a-8cd4-4165-8fc5-0e4ac214a370" providerId="ADAL" clId="{9D5B359D-A5D5-4737-B9F0-EC76152A0CAF}" dt="2019-12-31T11:04:16.663" v="148" actId="1076"/>
+          <ac:picMkLst>
+            <pc:docMk/>
+            <pc:sldMk cId="597129306" sldId="309"/>
+            <ac:picMk id="6" creationId="{ADFF909E-98F7-42AF-AAF0-C7AE29407590}"/>
+          </ac:picMkLst>
+        </pc:picChg>
+      </pc:sldChg>
+      <pc:sldChg chg="modSp">
+        <pc:chgData name="KimNamhyoung" userId="442ac80a-8cd4-4165-8fc5-0e4ac214a370" providerId="ADAL" clId="{9D5B359D-A5D5-4737-B9F0-EC76152A0CAF}" dt="2019-12-31T14:30:42.062" v="264" actId="20577"/>
+        <pc:sldMkLst>
+          <pc:docMk/>
+          <pc:sldMk cId="2652320674" sldId="310"/>
+        </pc:sldMkLst>
+        <pc:spChg chg="mod">
+          <ac:chgData name="KimNamhyoung" userId="442ac80a-8cd4-4165-8fc5-0e4ac214a370" providerId="ADAL" clId="{9D5B359D-A5D5-4737-B9F0-EC76152A0CAF}" dt="2019-12-31T14:30:42.062" v="264" actId="20577"/>
+          <ac:spMkLst>
+            <pc:docMk/>
+            <pc:sldMk cId="2652320674" sldId="310"/>
+            <ac:spMk id="2" creationId="{30A05CDF-51ED-4278-AA11-1745E5809FF2}"/>
+          </ac:spMkLst>
+        </pc:spChg>
+      </pc:sldChg>
+      <pc:sldChg chg="modSp">
+        <pc:chgData name="KimNamhyoung" userId="442ac80a-8cd4-4165-8fc5-0e4ac214a370" providerId="ADAL" clId="{9D5B359D-A5D5-4737-B9F0-EC76152A0CAF}" dt="2019-12-31T11:23:44.566" v="177" actId="1036"/>
+        <pc:sldMkLst>
+          <pc:docMk/>
+          <pc:sldMk cId="1402587320" sldId="311"/>
+        </pc:sldMkLst>
+        <pc:spChg chg="mod">
+          <ac:chgData name="KimNamhyoung" userId="442ac80a-8cd4-4165-8fc5-0e4ac214a370" providerId="ADAL" clId="{9D5B359D-A5D5-4737-B9F0-EC76152A0CAF}" dt="2019-12-31T11:19:32.010" v="161" actId="20577"/>
+          <ac:spMkLst>
+            <pc:docMk/>
+            <pc:sldMk cId="1402587320" sldId="311"/>
+            <ac:spMk id="3" creationId="{A78A9532-2F4F-4CDA-A6D8-C50136CBC3BD}"/>
+          </ac:spMkLst>
+        </pc:spChg>
+        <pc:picChg chg="mod">
+          <ac:chgData name="KimNamhyoung" userId="442ac80a-8cd4-4165-8fc5-0e4ac214a370" providerId="ADAL" clId="{9D5B359D-A5D5-4737-B9F0-EC76152A0CAF}" dt="2019-12-31T11:23:44.566" v="177" actId="1036"/>
+          <ac:picMkLst>
+            <pc:docMk/>
+            <pc:sldMk cId="1402587320" sldId="311"/>
+            <ac:picMk id="7" creationId="{CA3F4990-3975-4B78-8F4D-429EA3A28020}"/>
+          </ac:picMkLst>
+        </pc:picChg>
+      </pc:sldChg>
+      <pc:sldChg chg="modSp">
+        <pc:chgData name="KimNamhyoung" userId="442ac80a-8cd4-4165-8fc5-0e4ac214a370" providerId="ADAL" clId="{9D5B359D-A5D5-4737-B9F0-EC76152A0CAF}" dt="2019-12-31T11:39:44.911" v="253" actId="2165"/>
+        <pc:sldMkLst>
+          <pc:docMk/>
+          <pc:sldMk cId="2845735862" sldId="321"/>
+        </pc:sldMkLst>
+        <pc:graphicFrameChg chg="modGraphic">
+          <ac:chgData name="KimNamhyoung" userId="442ac80a-8cd4-4165-8fc5-0e4ac214a370" providerId="ADAL" clId="{9D5B359D-A5D5-4737-B9F0-EC76152A0CAF}" dt="2019-12-31T11:39:44.911" v="253" actId="2165"/>
+          <ac:graphicFrameMkLst>
+            <pc:docMk/>
+            <pc:sldMk cId="2845735862" sldId="321"/>
+            <ac:graphicFrameMk id="4" creationId="{0A9C2647-E54D-4474-8AAF-1661BB2FFF36}"/>
+          </ac:graphicFrameMkLst>
+        </pc:graphicFrameChg>
+      </pc:sldChg>
+      <pc:sldChg chg="modSp">
+        <pc:chgData name="KimNamhyoung" userId="442ac80a-8cd4-4165-8fc5-0e4ac214a370" providerId="ADAL" clId="{9D5B359D-A5D5-4737-B9F0-EC76152A0CAF}" dt="2019-12-31T12:26:14.611" v="255" actId="1036"/>
+        <pc:sldMkLst>
+          <pc:docMk/>
+          <pc:sldMk cId="619435612" sldId="326"/>
+        </pc:sldMkLst>
+        <pc:picChg chg="mod">
+          <ac:chgData name="KimNamhyoung" userId="442ac80a-8cd4-4165-8fc5-0e4ac214a370" providerId="ADAL" clId="{9D5B359D-A5D5-4737-B9F0-EC76152A0CAF}" dt="2019-12-31T12:26:14.611" v="255" actId="1036"/>
+          <ac:picMkLst>
+            <pc:docMk/>
+            <pc:sldMk cId="619435612" sldId="326"/>
+            <ac:picMk id="5" creationId="{61F23FDC-0E7D-47C3-81FE-C0E57FE9F1A5}"/>
+          </ac:picMkLst>
+        </pc:picChg>
+      </pc:sldChg>
+      <pc:sldChg chg="delSp">
+        <pc:chgData name="KimNamhyoung" userId="442ac80a-8cd4-4165-8fc5-0e4ac214a370" providerId="ADAL" clId="{9D5B359D-A5D5-4737-B9F0-EC76152A0CAF}" dt="2019-12-31T12:18:45.696" v="254" actId="478"/>
+        <pc:sldMkLst>
+          <pc:docMk/>
+          <pc:sldMk cId="4284472928" sldId="327"/>
+        </pc:sldMkLst>
+        <pc:inkChg chg="del">
+          <ac:chgData name="KimNamhyoung" userId="442ac80a-8cd4-4165-8fc5-0e4ac214a370" providerId="ADAL" clId="{9D5B359D-A5D5-4737-B9F0-EC76152A0CAF}" dt="2019-12-31T12:18:45.696" v="254" actId="478"/>
+          <ac:inkMkLst>
+            <pc:docMk/>
+            <pc:sldMk cId="4284472928" sldId="327"/>
+            <ac:inkMk id="26" creationId="{0C117D04-E8B1-44CC-9CBC-212095C22B55}"/>
+          </ac:inkMkLst>
+        </pc:inkChg>
+      </pc:sldChg>
+      <pc:sldChg chg="addSp modSp">
+        <pc:chgData name="KimNamhyoung" userId="442ac80a-8cd4-4165-8fc5-0e4ac214a370" providerId="ADAL" clId="{9D5B359D-A5D5-4737-B9F0-EC76152A0CAF}" dt="2020-01-06T16:01:42.092" v="307" actId="164"/>
+        <pc:sldMkLst>
+          <pc:docMk/>
+          <pc:sldMk cId="2849685737" sldId="332"/>
+        </pc:sldMkLst>
+        <pc:grpChg chg="add mod">
+          <ac:chgData name="KimNamhyoung" userId="442ac80a-8cd4-4165-8fc5-0e4ac214a370" providerId="ADAL" clId="{9D5B359D-A5D5-4737-B9F0-EC76152A0CAF}" dt="2020-01-06T16:01:42.092" v="307" actId="164"/>
+          <ac:grpSpMkLst>
+            <pc:docMk/>
+            <pc:sldMk cId="2849685737" sldId="332"/>
+            <ac:grpSpMk id="8" creationId="{48A7A63E-4B0C-4C92-BF1F-BD3C8DC3AEA9}"/>
+          </ac:grpSpMkLst>
+        </pc:grpChg>
+        <pc:picChg chg="mod">
+          <ac:chgData name="KimNamhyoung" userId="442ac80a-8cd4-4165-8fc5-0e4ac214a370" providerId="ADAL" clId="{9D5B359D-A5D5-4737-B9F0-EC76152A0CAF}" dt="2020-01-06T16:01:42.092" v="307" actId="164"/>
+          <ac:picMkLst>
+            <pc:docMk/>
+            <pc:sldMk cId="2849685737" sldId="332"/>
+            <ac:picMk id="4" creationId="{7DAB5C7A-E9A9-497F-B88C-32ADB54C7966}"/>
+          </ac:picMkLst>
+        </pc:picChg>
+        <pc:picChg chg="add mod modCrop">
+          <ac:chgData name="KimNamhyoung" userId="442ac80a-8cd4-4165-8fc5-0e4ac214a370" providerId="ADAL" clId="{9D5B359D-A5D5-4737-B9F0-EC76152A0CAF}" dt="2020-01-06T16:01:42.092" v="307" actId="164"/>
+          <ac:picMkLst>
+            <pc:docMk/>
+            <pc:sldMk cId="2849685737" sldId="332"/>
+            <ac:picMk id="6" creationId="{0425DA39-D85C-4BFF-B5B8-91121D8557BC}"/>
+          </ac:picMkLst>
+        </pc:picChg>
+        <pc:picChg chg="add mod">
+          <ac:chgData name="KimNamhyoung" userId="442ac80a-8cd4-4165-8fc5-0e4ac214a370" providerId="ADAL" clId="{9D5B359D-A5D5-4737-B9F0-EC76152A0CAF}" dt="2020-01-06T16:01:42.092" v="307" actId="164"/>
+          <ac:picMkLst>
+            <pc:docMk/>
+            <pc:sldMk cId="2849685737" sldId="332"/>
+            <ac:picMk id="7" creationId="{448BFB46-2B7C-4C1F-94F4-0534EE1590B0}"/>
+          </ac:picMkLst>
+        </pc:picChg>
+      </pc:sldChg>
+      <pc:sldChg chg="delSp">
+        <pc:chgData name="KimNamhyoung" userId="442ac80a-8cd4-4165-8fc5-0e4ac214a370" providerId="ADAL" clId="{9D5B359D-A5D5-4737-B9F0-EC76152A0CAF}" dt="2019-12-31T14:31:47.514" v="265" actId="478"/>
+        <pc:sldMkLst>
+          <pc:docMk/>
+          <pc:sldMk cId="536207168" sldId="336"/>
+        </pc:sldMkLst>
+        <pc:inkChg chg="del">
+          <ac:chgData name="KimNamhyoung" userId="442ac80a-8cd4-4165-8fc5-0e4ac214a370" providerId="ADAL" clId="{9D5B359D-A5D5-4737-B9F0-EC76152A0CAF}" dt="2019-12-31T14:31:47.514" v="265" actId="478"/>
+          <ac:inkMkLst>
+            <pc:docMk/>
+            <pc:sldMk cId="536207168" sldId="336"/>
+            <ac:inkMk id="97" creationId="{74C252B5-953C-4126-9088-9164ED742431}"/>
+          </ac:inkMkLst>
+        </pc:inkChg>
+      </pc:sldChg>
+      <pc:sldChg chg="delSp">
+        <pc:chgData name="KimNamhyoung" userId="442ac80a-8cd4-4165-8fc5-0e4ac214a370" providerId="ADAL" clId="{9D5B359D-A5D5-4737-B9F0-EC76152A0CAF}" dt="2019-12-31T14:06:22.095" v="258" actId="478"/>
+        <pc:sldMkLst>
+          <pc:docMk/>
+          <pc:sldMk cId="3579191837" sldId="337"/>
+        </pc:sldMkLst>
+        <pc:inkChg chg="del">
+          <ac:chgData name="KimNamhyoung" userId="442ac80a-8cd4-4165-8fc5-0e4ac214a370" providerId="ADAL" clId="{9D5B359D-A5D5-4737-B9F0-EC76152A0CAF}" dt="2019-12-31T14:06:17.495" v="256" actId="478"/>
+          <ac:inkMkLst>
+            <pc:docMk/>
+            <pc:sldMk cId="3579191837" sldId="337"/>
+            <ac:inkMk id="8" creationId="{9AAC214C-6DCA-47B1-829B-4A8CF1E4BE00}"/>
+          </ac:inkMkLst>
+        </pc:inkChg>
+        <pc:inkChg chg="del">
+          <ac:chgData name="KimNamhyoung" userId="442ac80a-8cd4-4165-8fc5-0e4ac214a370" providerId="ADAL" clId="{9D5B359D-A5D5-4737-B9F0-EC76152A0CAF}" dt="2019-12-31T14:06:19.669" v="257" actId="478"/>
+          <ac:inkMkLst>
+            <pc:docMk/>
+            <pc:sldMk cId="3579191837" sldId="337"/>
+            <ac:inkMk id="19" creationId="{DB5237B4-8BD9-4987-87E7-E86DBC12CA70}"/>
+          </ac:inkMkLst>
+        </pc:inkChg>
+        <pc:inkChg chg="del">
+          <ac:chgData name="KimNamhyoung" userId="442ac80a-8cd4-4165-8fc5-0e4ac214a370" providerId="ADAL" clId="{9D5B359D-A5D5-4737-B9F0-EC76152A0CAF}" dt="2019-12-31T14:06:22.095" v="258" actId="478"/>
+          <ac:inkMkLst>
+            <pc:docMk/>
+            <pc:sldMk cId="3579191837" sldId="337"/>
+            <ac:inkMk id="28" creationId="{B463F3BC-B01D-488D-B7F6-9FA9EA95FC25}"/>
+          </ac:inkMkLst>
+        </pc:inkChg>
+      </pc:sldChg>
+      <pc:sldChg chg="modSp">
+        <pc:chgData name="KimNamhyoung" userId="442ac80a-8cd4-4165-8fc5-0e4ac214a370" providerId="ADAL" clId="{9D5B359D-A5D5-4737-B9F0-EC76152A0CAF}" dt="2020-01-07T02:31:02.299" v="309" actId="1076"/>
+        <pc:sldMkLst>
+          <pc:docMk/>
+          <pc:sldMk cId="4290301824" sldId="345"/>
+        </pc:sldMkLst>
+        <pc:picChg chg="mod">
+          <ac:chgData name="KimNamhyoung" userId="442ac80a-8cd4-4165-8fc5-0e4ac214a370" providerId="ADAL" clId="{9D5B359D-A5D5-4737-B9F0-EC76152A0CAF}" dt="2020-01-07T02:31:02.299" v="309" actId="1076"/>
+          <ac:picMkLst>
+            <pc:docMk/>
+            <pc:sldMk cId="4290301824" sldId="345"/>
+            <ac:picMk id="4" creationId="{79D57239-B06B-4DD8-B66B-9BCB05FA3DDA}"/>
+          </ac:picMkLst>
+        </pc:picChg>
+      </pc:sldChg>
+      <pc:sldChg chg="addSp delSp modSp">
+        <pc:chgData name="KimNamhyoung" userId="442ac80a-8cd4-4165-8fc5-0e4ac214a370" providerId="ADAL" clId="{9D5B359D-A5D5-4737-B9F0-EC76152A0CAF}" dt="2019-12-31T14:57:42.677" v="290" actId="164"/>
+        <pc:sldMkLst>
+          <pc:docMk/>
+          <pc:sldMk cId="1925760938" sldId="352"/>
+        </pc:sldMkLst>
+        <pc:grpChg chg="add mod">
+          <ac:chgData name="KimNamhyoung" userId="442ac80a-8cd4-4165-8fc5-0e4ac214a370" providerId="ADAL" clId="{9D5B359D-A5D5-4737-B9F0-EC76152A0CAF}" dt="2019-12-31T14:57:42.677" v="290" actId="164"/>
+          <ac:grpSpMkLst>
+            <pc:docMk/>
+            <pc:sldMk cId="1925760938" sldId="352"/>
+            <ac:grpSpMk id="7" creationId="{932A7EB5-EC03-470F-BD78-BCC90CDC164C}"/>
+          </ac:grpSpMkLst>
+        </pc:grpChg>
+        <pc:picChg chg="add del mod">
+          <ac:chgData name="KimNamhyoung" userId="442ac80a-8cd4-4165-8fc5-0e4ac214a370" providerId="ADAL" clId="{9D5B359D-A5D5-4737-B9F0-EC76152A0CAF}" dt="2019-12-31T14:55:50.184" v="270" actId="478"/>
+          <ac:picMkLst>
+            <pc:docMk/>
+            <pc:sldMk cId="1925760938" sldId="352"/>
+            <ac:picMk id="4" creationId="{37A8C71F-BB0B-4110-81D4-5DB43133026F}"/>
+          </ac:picMkLst>
+        </pc:picChg>
+        <pc:picChg chg="mod">
+          <ac:chgData name="KimNamhyoung" userId="442ac80a-8cd4-4165-8fc5-0e4ac214a370" providerId="ADAL" clId="{9D5B359D-A5D5-4737-B9F0-EC76152A0CAF}" dt="2019-12-31T14:57:42.677" v="290" actId="164"/>
+          <ac:picMkLst>
+            <pc:docMk/>
+            <pc:sldMk cId="1925760938" sldId="352"/>
+            <ac:picMk id="5" creationId="{FB560127-CCE0-4F2B-A68E-1ED8968F06C5}"/>
+          </ac:picMkLst>
+        </pc:picChg>
+        <pc:picChg chg="add mod modCrop">
+          <ac:chgData name="KimNamhyoung" userId="442ac80a-8cd4-4165-8fc5-0e4ac214a370" providerId="ADAL" clId="{9D5B359D-A5D5-4737-B9F0-EC76152A0CAF}" dt="2019-12-31T14:57:42.677" v="290" actId="164"/>
+          <ac:picMkLst>
+            <pc:docMk/>
+            <pc:sldMk cId="1925760938" sldId="352"/>
+            <ac:picMk id="6" creationId="{071A477D-67CF-409E-ACD4-5DE938F238E9}"/>
+          </ac:picMkLst>
+        </pc:picChg>
+      </pc:sldChg>
+      <pc:sldChg chg="modSp">
+        <pc:chgData name="KimNamhyoung" userId="442ac80a-8cd4-4165-8fc5-0e4ac214a370" providerId="ADAL" clId="{9D5B359D-A5D5-4737-B9F0-EC76152A0CAF}" dt="2020-01-07T02:57:48.287" v="310" actId="1076"/>
+        <pc:sldMkLst>
+          <pc:docMk/>
+          <pc:sldMk cId="133212441" sldId="370"/>
+        </pc:sldMkLst>
+        <pc:picChg chg="mod">
+          <ac:chgData name="KimNamhyoung" userId="442ac80a-8cd4-4165-8fc5-0e4ac214a370" providerId="ADAL" clId="{9D5B359D-A5D5-4737-B9F0-EC76152A0CAF}" dt="2020-01-07T02:57:48.287" v="310" actId="1076"/>
+          <ac:picMkLst>
+            <pc:docMk/>
+            <pc:sldMk cId="133212441" sldId="370"/>
+            <ac:picMk id="5" creationId="{642BEDC9-1A6D-46C5-81D0-AD05A869B51C}"/>
+          </ac:picMkLst>
+        </pc:picChg>
+      </pc:sldChg>
+      <pc:sldChg chg="modSp">
+        <pc:chgData name="KimNamhyoung" userId="442ac80a-8cd4-4165-8fc5-0e4ac214a370" providerId="ADAL" clId="{9D5B359D-A5D5-4737-B9F0-EC76152A0CAF}" dt="2019-12-31T16:23:24.862" v="294"/>
+        <pc:sldMkLst>
+          <pc:docMk/>
+          <pc:sldMk cId="1866844256" sldId="378"/>
+        </pc:sldMkLst>
+        <pc:spChg chg="mod">
+          <ac:chgData name="KimNamhyoung" userId="442ac80a-8cd4-4165-8fc5-0e4ac214a370" providerId="ADAL" clId="{9D5B359D-A5D5-4737-B9F0-EC76152A0CAF}" dt="2019-12-31T16:23:24.862" v="294"/>
+          <ac:spMkLst>
+            <pc:docMk/>
+            <pc:sldMk cId="1866844256" sldId="378"/>
+            <ac:spMk id="3" creationId="{A78A9532-2F4F-4CDA-A6D8-C50136CBC3BD}"/>
+          </ac:spMkLst>
+        </pc:spChg>
+      </pc:sldChg>
+    </pc:docChg>
+  </pc:docChgLst>
+  <pc:docChgLst>
+    <pc:chgData name="KimNamhyoung" userId="442ac80a-8cd4-4165-8fc5-0e4ac214a370" providerId="ADAL" clId="{A7E0A336-D386-4002-8984-A900D0D56702}"/>
+    <pc:docChg chg="modSld">
+      <pc:chgData name="KimNamhyoung" userId="442ac80a-8cd4-4165-8fc5-0e4ac214a370" providerId="ADAL" clId="{A7E0A336-D386-4002-8984-A900D0D56702}" dt="2020-11-26T13:08:33.345" v="1"/>
+      <pc:docMkLst>
+        <pc:docMk/>
+      </pc:docMkLst>
+      <pc:sldChg chg="addSp delSp mod">
+        <pc:chgData name="KimNamhyoung" userId="442ac80a-8cd4-4165-8fc5-0e4ac214a370" providerId="ADAL" clId="{A7E0A336-D386-4002-8984-A900D0D56702}" dt="2020-11-26T13:08:33.345" v="1"/>
+        <pc:sldMkLst>
+          <pc:docMk/>
+          <pc:sldMk cId="2128572570" sldId="289"/>
+        </pc:sldMkLst>
+        <pc:inkChg chg="add del">
+          <ac:chgData name="KimNamhyoung" userId="442ac80a-8cd4-4165-8fc5-0e4ac214a370" providerId="ADAL" clId="{A7E0A336-D386-4002-8984-A900D0D56702}" dt="2020-11-26T13:08:33.345" v="1"/>
+          <ac:inkMkLst>
+            <pc:docMk/>
+            <pc:sldMk cId="2128572570" sldId="289"/>
+            <ac:inkMk id="2" creationId="{6A22F88B-46C3-41AB-8803-796F9ACE19A7}"/>
+          </ac:inkMkLst>
+        </pc:inkChg>
+      </pc:sldChg>
+    </pc:docChg>
+  </pc:docChgLst>
   <pc:docChgLst>
     <pc:chgData name="KimNamhyoung" userId="442ac80a-8cd4-4165-8fc5-0e4ac214a370" providerId="ADAL" clId="{302E8084-8BD4-4670-A0D5-A72F18CF5E10}"/>
     <pc:docChg chg="undo custSel addSld delSld modSld sldOrd modMainMaster">
@@ -983,6 +1398,84 @@
     </pc:docChg>
   </pc:docChgLst>
   <pc:docChgLst>
+    <pc:chgData name="KimNamhyoung" userId="442ac80a-8cd4-4165-8fc5-0e4ac214a370" providerId="ADAL" clId="{32D5A825-2652-448E-8DD4-C2CB5AB9B21A}"/>
+    <pc:docChg chg="undo custSel addSld delSld modSld">
+      <pc:chgData name="KimNamhyoung" userId="442ac80a-8cd4-4165-8fc5-0e4ac214a370" providerId="ADAL" clId="{32D5A825-2652-448E-8DD4-C2CB5AB9B21A}" dt="2021-01-03T13:43:50.770" v="151" actId="47"/>
+      <pc:docMkLst>
+        <pc:docMk/>
+      </pc:docMkLst>
+      <pc:sldChg chg="modSp mod">
+        <pc:chgData name="KimNamhyoung" userId="442ac80a-8cd4-4165-8fc5-0e4ac214a370" providerId="ADAL" clId="{32D5A825-2652-448E-8DD4-C2CB5AB9B21A}" dt="2021-01-03T13:35:20.246" v="142"/>
+        <pc:sldMkLst>
+          <pc:docMk/>
+          <pc:sldMk cId="4161666559" sldId="297"/>
+        </pc:sldMkLst>
+        <pc:spChg chg="mod">
+          <ac:chgData name="KimNamhyoung" userId="442ac80a-8cd4-4165-8fc5-0e4ac214a370" providerId="ADAL" clId="{32D5A825-2652-448E-8DD4-C2CB5AB9B21A}" dt="2021-01-03T13:35:20.246" v="142"/>
+          <ac:spMkLst>
+            <pc:docMk/>
+            <pc:sldMk cId="4161666559" sldId="297"/>
+            <ac:spMk id="3" creationId="{A78A9532-2F4F-4CDA-A6D8-C50136CBC3BD}"/>
+          </ac:spMkLst>
+        </pc:spChg>
+      </pc:sldChg>
+      <pc:sldChg chg="del">
+        <pc:chgData name="KimNamhyoung" userId="442ac80a-8cd4-4165-8fc5-0e4ac214a370" providerId="ADAL" clId="{32D5A825-2652-448E-8DD4-C2CB5AB9B21A}" dt="2021-01-03T13:43:50.770" v="151" actId="47"/>
+        <pc:sldMkLst>
+          <pc:docMk/>
+          <pc:sldMk cId="1791322728" sldId="299"/>
+        </pc:sldMkLst>
+      </pc:sldChg>
+      <pc:sldChg chg="addSp modSp add mod">
+        <pc:chgData name="KimNamhyoung" userId="442ac80a-8cd4-4165-8fc5-0e4ac214a370" providerId="ADAL" clId="{32D5A825-2652-448E-8DD4-C2CB5AB9B21A}" dt="2021-01-03T13:43:38.896" v="150" actId="1076"/>
+        <pc:sldMkLst>
+          <pc:docMk/>
+          <pc:sldMk cId="3594350860" sldId="387"/>
+        </pc:sldMkLst>
+        <pc:picChg chg="add mod">
+          <ac:chgData name="KimNamhyoung" userId="442ac80a-8cd4-4165-8fc5-0e4ac214a370" providerId="ADAL" clId="{32D5A825-2652-448E-8DD4-C2CB5AB9B21A}" dt="2021-01-03T13:43:36.071" v="148" actId="1076"/>
+          <ac:picMkLst>
+            <pc:docMk/>
+            <pc:sldMk cId="3594350860" sldId="387"/>
+            <ac:picMk id="5" creationId="{97565A0C-2A6E-4EB5-9986-BC7D231B102C}"/>
+          </ac:picMkLst>
+        </pc:picChg>
+        <pc:picChg chg="mod">
+          <ac:chgData name="KimNamhyoung" userId="442ac80a-8cd4-4165-8fc5-0e4ac214a370" providerId="ADAL" clId="{32D5A825-2652-448E-8DD4-C2CB5AB9B21A}" dt="2021-01-03T13:43:38.896" v="150" actId="1076"/>
+          <ac:picMkLst>
+            <pc:docMk/>
+            <pc:sldMk cId="3594350860" sldId="387"/>
+            <ac:picMk id="3074" creationId="{00000000-0000-0000-0000-000000000000}"/>
+          </ac:picMkLst>
+        </pc:picChg>
+      </pc:sldChg>
+    </pc:docChg>
+  </pc:docChgLst>
+  <pc:docChgLst>
+    <pc:chgData name="KimNamhyoung" userId="442ac80a-8cd4-4165-8fc5-0e4ac214a370" providerId="ADAL" clId="{2DD854AD-D288-4BC7-8AB8-2EAE1767C62A}"/>
+    <pc:docChg chg="modSld">
+      <pc:chgData name="KimNamhyoung" userId="442ac80a-8cd4-4165-8fc5-0e4ac214a370" providerId="ADAL" clId="{2DD854AD-D288-4BC7-8AB8-2EAE1767C62A}" dt="2020-11-26T12:39:51.957" v="2" actId="20577"/>
+      <pc:docMkLst>
+        <pc:docMk/>
+      </pc:docMkLst>
+      <pc:sldChg chg="modSp mod">
+        <pc:chgData name="KimNamhyoung" userId="442ac80a-8cd4-4165-8fc5-0e4ac214a370" providerId="ADAL" clId="{2DD854AD-D288-4BC7-8AB8-2EAE1767C62A}" dt="2020-11-26T12:39:51.957" v="2" actId="20577"/>
+        <pc:sldMkLst>
+          <pc:docMk/>
+          <pc:sldMk cId="3972584750" sldId="295"/>
+        </pc:sldMkLst>
+        <pc:spChg chg="mod">
+          <ac:chgData name="KimNamhyoung" userId="442ac80a-8cd4-4165-8fc5-0e4ac214a370" providerId="ADAL" clId="{2DD854AD-D288-4BC7-8AB8-2EAE1767C62A}" dt="2020-11-26T12:39:51.957" v="2" actId="20577"/>
+          <ac:spMkLst>
+            <pc:docMk/>
+            <pc:sldMk cId="3972584750" sldId="295"/>
+            <ac:spMk id="3" creationId="{78015FFA-A3FD-4E24-A838-9D1092A31C9F}"/>
+          </ac:spMkLst>
+        </pc:spChg>
+      </pc:sldChg>
+    </pc:docChg>
+  </pc:docChgLst>
+  <pc:docChgLst>
     <pc:chgData name="Namhyoung Kim" userId="fb60bffb23ca2a8d" providerId="LiveId" clId="{68A7EFEE-66FC-43E3-89B4-E3816B2C7497}"/>
     <pc:docChg chg="undo addSld delSld modSld sldOrd">
       <pc:chgData name="Namhyoung Kim" userId="fb60bffb23ca2a8d" providerId="LiveId" clId="{68A7EFEE-66FC-43E3-89B4-E3816B2C7497}" dt="2018-12-20T07:25:23.837" v="523" actId="2696"/>
@@ -3284,445 +3777,6 @@
           <pc:docMk/>
           <pc:sldMk cId="2797516062" sldId="381"/>
         </pc:sldMkLst>
-      </pc:sldChg>
-    </pc:docChg>
-  </pc:docChgLst>
-  <pc:docChgLst>
-    <pc:chgData name="KimNamhyoung" userId="442ac80a-8cd4-4165-8fc5-0e4ac214a370" providerId="ADAL" clId="{2DD854AD-D288-4BC7-8AB8-2EAE1767C62A}"/>
-    <pc:docChg chg="modSld">
-      <pc:chgData name="KimNamhyoung" userId="442ac80a-8cd4-4165-8fc5-0e4ac214a370" providerId="ADAL" clId="{2DD854AD-D288-4BC7-8AB8-2EAE1767C62A}" dt="2020-11-26T12:39:51.957" v="2" actId="20577"/>
-      <pc:docMkLst>
-        <pc:docMk/>
-      </pc:docMkLst>
-      <pc:sldChg chg="modSp mod">
-        <pc:chgData name="KimNamhyoung" userId="442ac80a-8cd4-4165-8fc5-0e4ac214a370" providerId="ADAL" clId="{2DD854AD-D288-4BC7-8AB8-2EAE1767C62A}" dt="2020-11-26T12:39:51.957" v="2" actId="20577"/>
-        <pc:sldMkLst>
-          <pc:docMk/>
-          <pc:sldMk cId="3972584750" sldId="295"/>
-        </pc:sldMkLst>
-        <pc:spChg chg="mod">
-          <ac:chgData name="KimNamhyoung" userId="442ac80a-8cd4-4165-8fc5-0e4ac214a370" providerId="ADAL" clId="{2DD854AD-D288-4BC7-8AB8-2EAE1767C62A}" dt="2020-11-26T12:39:51.957" v="2" actId="20577"/>
-          <ac:spMkLst>
-            <pc:docMk/>
-            <pc:sldMk cId="3972584750" sldId="295"/>
-            <ac:spMk id="3" creationId="{78015FFA-A3FD-4E24-A838-9D1092A31C9F}"/>
-          </ac:spMkLst>
-        </pc:spChg>
-      </pc:sldChg>
-    </pc:docChg>
-  </pc:docChgLst>
-  <pc:docChgLst>
-    <pc:chgData name="KimNamhyoung" userId="442ac80a-8cd4-4165-8fc5-0e4ac214a370" providerId="ADAL" clId="{A7E0A336-D386-4002-8984-A900D0D56702}"/>
-    <pc:docChg chg="modSld">
-      <pc:chgData name="KimNamhyoung" userId="442ac80a-8cd4-4165-8fc5-0e4ac214a370" providerId="ADAL" clId="{A7E0A336-D386-4002-8984-A900D0D56702}" dt="2020-11-26T13:08:33.345" v="1"/>
-      <pc:docMkLst>
-        <pc:docMk/>
-      </pc:docMkLst>
-      <pc:sldChg chg="addSp delSp mod">
-        <pc:chgData name="KimNamhyoung" userId="442ac80a-8cd4-4165-8fc5-0e4ac214a370" providerId="ADAL" clId="{A7E0A336-D386-4002-8984-A900D0D56702}" dt="2020-11-26T13:08:33.345" v="1"/>
-        <pc:sldMkLst>
-          <pc:docMk/>
-          <pc:sldMk cId="2128572570" sldId="289"/>
-        </pc:sldMkLst>
-        <pc:inkChg chg="add del">
-          <ac:chgData name="KimNamhyoung" userId="442ac80a-8cd4-4165-8fc5-0e4ac214a370" providerId="ADAL" clId="{A7E0A336-D386-4002-8984-A900D0D56702}" dt="2020-11-26T13:08:33.345" v="1"/>
-          <ac:inkMkLst>
-            <pc:docMk/>
-            <pc:sldMk cId="2128572570" sldId="289"/>
-            <ac:inkMk id="2" creationId="{6A22F88B-46C3-41AB-8803-796F9ACE19A7}"/>
-          </ac:inkMkLst>
-        </pc:inkChg>
-      </pc:sldChg>
-    </pc:docChg>
-  </pc:docChgLst>
-  <pc:docChgLst>
-    <pc:chgData name="KimNamhyoung" userId="442ac80a-8cd4-4165-8fc5-0e4ac214a370" providerId="ADAL" clId="{9D5B359D-A5D5-4737-B9F0-EC76152A0CAF}"/>
-    <pc:docChg chg="undo custSel modSld">
-      <pc:chgData name="KimNamhyoung" userId="442ac80a-8cd4-4165-8fc5-0e4ac214a370" providerId="ADAL" clId="{9D5B359D-A5D5-4737-B9F0-EC76152A0CAF}" dt="2020-01-07T02:57:48.287" v="310" actId="1076"/>
-      <pc:docMkLst>
-        <pc:docMk/>
-      </pc:docMkLst>
-      <pc:sldChg chg="modSp">
-        <pc:chgData name="KimNamhyoung" userId="442ac80a-8cd4-4165-8fc5-0e4ac214a370" providerId="ADAL" clId="{9D5B359D-A5D5-4737-B9F0-EC76152A0CAF}" dt="2019-12-31T09:16:15.393" v="65" actId="207"/>
-        <pc:sldMkLst>
-          <pc:docMk/>
-          <pc:sldMk cId="2667652555" sldId="291"/>
-        </pc:sldMkLst>
-        <pc:spChg chg="mod">
-          <ac:chgData name="KimNamhyoung" userId="442ac80a-8cd4-4165-8fc5-0e4ac214a370" providerId="ADAL" clId="{9D5B359D-A5D5-4737-B9F0-EC76152A0CAF}" dt="2019-12-31T09:16:15.393" v="65" actId="207"/>
-          <ac:spMkLst>
-            <pc:docMk/>
-            <pc:sldMk cId="2667652555" sldId="291"/>
-            <ac:spMk id="3" creationId="{00000000-0000-0000-0000-000000000000}"/>
-          </ac:spMkLst>
-        </pc:spChg>
-      </pc:sldChg>
-      <pc:sldChg chg="modSp">
-        <pc:chgData name="KimNamhyoung" userId="442ac80a-8cd4-4165-8fc5-0e4ac214a370" providerId="ADAL" clId="{9D5B359D-A5D5-4737-B9F0-EC76152A0CAF}" dt="2019-12-31T14:30:32.145" v="260" actId="20577"/>
-        <pc:sldMkLst>
-          <pc:docMk/>
-          <pc:sldMk cId="1791322728" sldId="299"/>
-        </pc:sldMkLst>
-        <pc:spChg chg="mod">
-          <ac:chgData name="KimNamhyoung" userId="442ac80a-8cd4-4165-8fc5-0e4ac214a370" providerId="ADAL" clId="{9D5B359D-A5D5-4737-B9F0-EC76152A0CAF}" dt="2019-12-31T14:30:32.145" v="260" actId="20577"/>
-          <ac:spMkLst>
-            <pc:docMk/>
-            <pc:sldMk cId="1791322728" sldId="299"/>
-            <ac:spMk id="2" creationId="{30A05CDF-51ED-4278-AA11-1745E5809FF2}"/>
-          </ac:spMkLst>
-        </pc:spChg>
-      </pc:sldChg>
-      <pc:sldChg chg="modSp">
-        <pc:chgData name="KimNamhyoung" userId="442ac80a-8cd4-4165-8fc5-0e4ac214a370" providerId="ADAL" clId="{9D5B359D-A5D5-4737-B9F0-EC76152A0CAF}" dt="2019-12-31T11:27:26.449" v="251"/>
-        <pc:sldMkLst>
-          <pc:docMk/>
-          <pc:sldMk cId="1402426098" sldId="300"/>
-        </pc:sldMkLst>
-        <pc:graphicFrameChg chg="mod modGraphic">
-          <ac:chgData name="KimNamhyoung" userId="442ac80a-8cd4-4165-8fc5-0e4ac214a370" providerId="ADAL" clId="{9D5B359D-A5D5-4737-B9F0-EC76152A0CAF}" dt="2019-12-31T11:27:26.449" v="251"/>
-          <ac:graphicFrameMkLst>
-            <pc:docMk/>
-            <pc:sldMk cId="1402426098" sldId="300"/>
-            <ac:graphicFrameMk id="4" creationId="{00000000-0000-0000-0000-000000000000}"/>
-          </ac:graphicFrameMkLst>
-        </pc:graphicFrameChg>
-      </pc:sldChg>
-      <pc:sldChg chg="addSp modSp">
-        <pc:chgData name="KimNamhyoung" userId="442ac80a-8cd4-4165-8fc5-0e4ac214a370" providerId="ADAL" clId="{9D5B359D-A5D5-4737-B9F0-EC76152A0CAF}" dt="2019-12-31T10:56:43.847" v="145" actId="164"/>
-        <pc:sldMkLst>
-          <pc:docMk/>
-          <pc:sldMk cId="1402426098" sldId="301"/>
-        </pc:sldMkLst>
-        <pc:spChg chg="mod">
-          <ac:chgData name="KimNamhyoung" userId="442ac80a-8cd4-4165-8fc5-0e4ac214a370" providerId="ADAL" clId="{9D5B359D-A5D5-4737-B9F0-EC76152A0CAF}" dt="2019-12-31T10:54:46.686" v="144" actId="12"/>
-          <ac:spMkLst>
-            <pc:docMk/>
-            <pc:sldMk cId="1402426098" sldId="301"/>
-            <ac:spMk id="3" creationId="{A78A9532-2F4F-4CDA-A6D8-C50136CBC3BD}"/>
-          </ac:spMkLst>
-        </pc:spChg>
-        <pc:spChg chg="add mod">
-          <ac:chgData name="KimNamhyoung" userId="442ac80a-8cd4-4165-8fc5-0e4ac214a370" providerId="ADAL" clId="{9D5B359D-A5D5-4737-B9F0-EC76152A0CAF}" dt="2019-12-31T10:56:43.847" v="145" actId="164"/>
-          <ac:spMkLst>
-            <pc:docMk/>
-            <pc:sldMk cId="1402426098" sldId="301"/>
-            <ac:spMk id="5" creationId="{707F1A66-48F9-481F-855B-B740A0A3E851}"/>
-          </ac:spMkLst>
-        </pc:spChg>
-        <pc:grpChg chg="add mod">
-          <ac:chgData name="KimNamhyoung" userId="442ac80a-8cd4-4165-8fc5-0e4ac214a370" providerId="ADAL" clId="{9D5B359D-A5D5-4737-B9F0-EC76152A0CAF}" dt="2019-12-31T10:56:43.847" v="145" actId="164"/>
-          <ac:grpSpMkLst>
-            <pc:docMk/>
-            <pc:sldMk cId="1402426098" sldId="301"/>
-            <ac:grpSpMk id="6" creationId="{E152F979-8680-482F-81D1-63086B8644D4}"/>
-          </ac:grpSpMkLst>
-        </pc:grpChg>
-        <pc:picChg chg="mod">
-          <ac:chgData name="KimNamhyoung" userId="442ac80a-8cd4-4165-8fc5-0e4ac214a370" providerId="ADAL" clId="{9D5B359D-A5D5-4737-B9F0-EC76152A0CAF}" dt="2019-12-31T10:56:43.847" v="145" actId="164"/>
-          <ac:picMkLst>
-            <pc:docMk/>
-            <pc:sldMk cId="1402426098" sldId="301"/>
-            <ac:picMk id="4" creationId="{235B477E-441B-4F26-9460-EAE60D61EAC8}"/>
-          </ac:picMkLst>
-        </pc:picChg>
-      </pc:sldChg>
-      <pc:sldChg chg="modSp">
-        <pc:chgData name="KimNamhyoung" userId="442ac80a-8cd4-4165-8fc5-0e4ac214a370" providerId="ADAL" clId="{9D5B359D-A5D5-4737-B9F0-EC76152A0CAF}" dt="2019-12-31T14:30:37.213" v="262" actId="20577"/>
-        <pc:sldMkLst>
-          <pc:docMk/>
-          <pc:sldMk cId="482145085" sldId="307"/>
-        </pc:sldMkLst>
-        <pc:spChg chg="mod">
-          <ac:chgData name="KimNamhyoung" userId="442ac80a-8cd4-4165-8fc5-0e4ac214a370" providerId="ADAL" clId="{9D5B359D-A5D5-4737-B9F0-EC76152A0CAF}" dt="2019-12-31T14:30:37.213" v="262" actId="20577"/>
-          <ac:spMkLst>
-            <pc:docMk/>
-            <pc:sldMk cId="482145085" sldId="307"/>
-            <ac:spMk id="2" creationId="{30A05CDF-51ED-4278-AA11-1745E5809FF2}"/>
-          </ac:spMkLst>
-        </pc:spChg>
-        <pc:graphicFrameChg chg="mod modGraphic">
-          <ac:chgData name="KimNamhyoung" userId="442ac80a-8cd4-4165-8fc5-0e4ac214a370" providerId="ADAL" clId="{9D5B359D-A5D5-4737-B9F0-EC76152A0CAF}" dt="2019-12-31T09:42:44.558" v="73" actId="403"/>
-          <ac:graphicFrameMkLst>
-            <pc:docMk/>
-            <pc:sldMk cId="482145085" sldId="307"/>
-            <ac:graphicFrameMk id="5" creationId="{00000000-0000-0000-0000-000000000000}"/>
-          </ac:graphicFrameMkLst>
-        </pc:graphicFrameChg>
-      </pc:sldChg>
-      <pc:sldChg chg="addSp delSp modSp">
-        <pc:chgData name="KimNamhyoung" userId="442ac80a-8cd4-4165-8fc5-0e4ac214a370" providerId="ADAL" clId="{9D5B359D-A5D5-4737-B9F0-EC76152A0CAF}" dt="2019-12-31T11:04:16.663" v="148" actId="1076"/>
-        <pc:sldMkLst>
-          <pc:docMk/>
-          <pc:sldMk cId="597129306" sldId="309"/>
-        </pc:sldMkLst>
-        <pc:picChg chg="del">
-          <ac:chgData name="KimNamhyoung" userId="442ac80a-8cd4-4165-8fc5-0e4ac214a370" providerId="ADAL" clId="{9D5B359D-A5D5-4737-B9F0-EC76152A0CAF}" dt="2019-12-31T11:03:39.442" v="146" actId="478"/>
-          <ac:picMkLst>
-            <pc:docMk/>
-            <pc:sldMk cId="597129306" sldId="309"/>
-            <ac:picMk id="4" creationId="{E9A8B126-D6B8-4C78-A654-FF8A93E2B903}"/>
-          </ac:picMkLst>
-        </pc:picChg>
-        <pc:picChg chg="add mod">
-          <ac:chgData name="KimNamhyoung" userId="442ac80a-8cd4-4165-8fc5-0e4ac214a370" providerId="ADAL" clId="{9D5B359D-A5D5-4737-B9F0-EC76152A0CAF}" dt="2019-12-31T11:04:16.663" v="148" actId="1076"/>
-          <ac:picMkLst>
-            <pc:docMk/>
-            <pc:sldMk cId="597129306" sldId="309"/>
-            <ac:picMk id="6" creationId="{ADFF909E-98F7-42AF-AAF0-C7AE29407590}"/>
-          </ac:picMkLst>
-        </pc:picChg>
-      </pc:sldChg>
-      <pc:sldChg chg="modSp">
-        <pc:chgData name="KimNamhyoung" userId="442ac80a-8cd4-4165-8fc5-0e4ac214a370" providerId="ADAL" clId="{9D5B359D-A5D5-4737-B9F0-EC76152A0CAF}" dt="2019-12-31T14:30:42.062" v="264" actId="20577"/>
-        <pc:sldMkLst>
-          <pc:docMk/>
-          <pc:sldMk cId="2652320674" sldId="310"/>
-        </pc:sldMkLst>
-        <pc:spChg chg="mod">
-          <ac:chgData name="KimNamhyoung" userId="442ac80a-8cd4-4165-8fc5-0e4ac214a370" providerId="ADAL" clId="{9D5B359D-A5D5-4737-B9F0-EC76152A0CAF}" dt="2019-12-31T14:30:42.062" v="264" actId="20577"/>
-          <ac:spMkLst>
-            <pc:docMk/>
-            <pc:sldMk cId="2652320674" sldId="310"/>
-            <ac:spMk id="2" creationId="{30A05CDF-51ED-4278-AA11-1745E5809FF2}"/>
-          </ac:spMkLst>
-        </pc:spChg>
-      </pc:sldChg>
-      <pc:sldChg chg="modSp">
-        <pc:chgData name="KimNamhyoung" userId="442ac80a-8cd4-4165-8fc5-0e4ac214a370" providerId="ADAL" clId="{9D5B359D-A5D5-4737-B9F0-EC76152A0CAF}" dt="2019-12-31T11:23:44.566" v="177" actId="1036"/>
-        <pc:sldMkLst>
-          <pc:docMk/>
-          <pc:sldMk cId="1402587320" sldId="311"/>
-        </pc:sldMkLst>
-        <pc:spChg chg="mod">
-          <ac:chgData name="KimNamhyoung" userId="442ac80a-8cd4-4165-8fc5-0e4ac214a370" providerId="ADAL" clId="{9D5B359D-A5D5-4737-B9F0-EC76152A0CAF}" dt="2019-12-31T11:19:32.010" v="161" actId="20577"/>
-          <ac:spMkLst>
-            <pc:docMk/>
-            <pc:sldMk cId="1402587320" sldId="311"/>
-            <ac:spMk id="3" creationId="{A78A9532-2F4F-4CDA-A6D8-C50136CBC3BD}"/>
-          </ac:spMkLst>
-        </pc:spChg>
-        <pc:picChg chg="mod">
-          <ac:chgData name="KimNamhyoung" userId="442ac80a-8cd4-4165-8fc5-0e4ac214a370" providerId="ADAL" clId="{9D5B359D-A5D5-4737-B9F0-EC76152A0CAF}" dt="2019-12-31T11:23:44.566" v="177" actId="1036"/>
-          <ac:picMkLst>
-            <pc:docMk/>
-            <pc:sldMk cId="1402587320" sldId="311"/>
-            <ac:picMk id="7" creationId="{CA3F4990-3975-4B78-8F4D-429EA3A28020}"/>
-          </ac:picMkLst>
-        </pc:picChg>
-      </pc:sldChg>
-      <pc:sldChg chg="modSp">
-        <pc:chgData name="KimNamhyoung" userId="442ac80a-8cd4-4165-8fc5-0e4ac214a370" providerId="ADAL" clId="{9D5B359D-A5D5-4737-B9F0-EC76152A0CAF}" dt="2019-12-31T11:39:44.911" v="253" actId="2165"/>
-        <pc:sldMkLst>
-          <pc:docMk/>
-          <pc:sldMk cId="2845735862" sldId="321"/>
-        </pc:sldMkLst>
-        <pc:graphicFrameChg chg="modGraphic">
-          <ac:chgData name="KimNamhyoung" userId="442ac80a-8cd4-4165-8fc5-0e4ac214a370" providerId="ADAL" clId="{9D5B359D-A5D5-4737-B9F0-EC76152A0CAF}" dt="2019-12-31T11:39:44.911" v="253" actId="2165"/>
-          <ac:graphicFrameMkLst>
-            <pc:docMk/>
-            <pc:sldMk cId="2845735862" sldId="321"/>
-            <ac:graphicFrameMk id="4" creationId="{0A9C2647-E54D-4474-8AAF-1661BB2FFF36}"/>
-          </ac:graphicFrameMkLst>
-        </pc:graphicFrameChg>
-      </pc:sldChg>
-      <pc:sldChg chg="modSp">
-        <pc:chgData name="KimNamhyoung" userId="442ac80a-8cd4-4165-8fc5-0e4ac214a370" providerId="ADAL" clId="{9D5B359D-A5D5-4737-B9F0-EC76152A0CAF}" dt="2019-12-31T12:26:14.611" v="255" actId="1036"/>
-        <pc:sldMkLst>
-          <pc:docMk/>
-          <pc:sldMk cId="619435612" sldId="326"/>
-        </pc:sldMkLst>
-        <pc:picChg chg="mod">
-          <ac:chgData name="KimNamhyoung" userId="442ac80a-8cd4-4165-8fc5-0e4ac214a370" providerId="ADAL" clId="{9D5B359D-A5D5-4737-B9F0-EC76152A0CAF}" dt="2019-12-31T12:26:14.611" v="255" actId="1036"/>
-          <ac:picMkLst>
-            <pc:docMk/>
-            <pc:sldMk cId="619435612" sldId="326"/>
-            <ac:picMk id="5" creationId="{61F23FDC-0E7D-47C3-81FE-C0E57FE9F1A5}"/>
-          </ac:picMkLst>
-        </pc:picChg>
-      </pc:sldChg>
-      <pc:sldChg chg="delSp">
-        <pc:chgData name="KimNamhyoung" userId="442ac80a-8cd4-4165-8fc5-0e4ac214a370" providerId="ADAL" clId="{9D5B359D-A5D5-4737-B9F0-EC76152A0CAF}" dt="2019-12-31T12:18:45.696" v="254" actId="478"/>
-        <pc:sldMkLst>
-          <pc:docMk/>
-          <pc:sldMk cId="4284472928" sldId="327"/>
-        </pc:sldMkLst>
-        <pc:inkChg chg="del">
-          <ac:chgData name="KimNamhyoung" userId="442ac80a-8cd4-4165-8fc5-0e4ac214a370" providerId="ADAL" clId="{9D5B359D-A5D5-4737-B9F0-EC76152A0CAF}" dt="2019-12-31T12:18:45.696" v="254" actId="478"/>
-          <ac:inkMkLst>
-            <pc:docMk/>
-            <pc:sldMk cId="4284472928" sldId="327"/>
-            <ac:inkMk id="26" creationId="{0C117D04-E8B1-44CC-9CBC-212095C22B55}"/>
-          </ac:inkMkLst>
-        </pc:inkChg>
-      </pc:sldChg>
-      <pc:sldChg chg="addSp modSp">
-        <pc:chgData name="KimNamhyoung" userId="442ac80a-8cd4-4165-8fc5-0e4ac214a370" providerId="ADAL" clId="{9D5B359D-A5D5-4737-B9F0-EC76152A0CAF}" dt="2020-01-06T16:01:42.092" v="307" actId="164"/>
-        <pc:sldMkLst>
-          <pc:docMk/>
-          <pc:sldMk cId="2849685737" sldId="332"/>
-        </pc:sldMkLst>
-        <pc:grpChg chg="add mod">
-          <ac:chgData name="KimNamhyoung" userId="442ac80a-8cd4-4165-8fc5-0e4ac214a370" providerId="ADAL" clId="{9D5B359D-A5D5-4737-B9F0-EC76152A0CAF}" dt="2020-01-06T16:01:42.092" v="307" actId="164"/>
-          <ac:grpSpMkLst>
-            <pc:docMk/>
-            <pc:sldMk cId="2849685737" sldId="332"/>
-            <ac:grpSpMk id="8" creationId="{48A7A63E-4B0C-4C92-BF1F-BD3C8DC3AEA9}"/>
-          </ac:grpSpMkLst>
-        </pc:grpChg>
-        <pc:picChg chg="mod">
-          <ac:chgData name="KimNamhyoung" userId="442ac80a-8cd4-4165-8fc5-0e4ac214a370" providerId="ADAL" clId="{9D5B359D-A5D5-4737-B9F0-EC76152A0CAF}" dt="2020-01-06T16:01:42.092" v="307" actId="164"/>
-          <ac:picMkLst>
-            <pc:docMk/>
-            <pc:sldMk cId="2849685737" sldId="332"/>
-            <ac:picMk id="4" creationId="{7DAB5C7A-E9A9-497F-B88C-32ADB54C7966}"/>
-          </ac:picMkLst>
-        </pc:picChg>
-        <pc:picChg chg="add mod modCrop">
-          <ac:chgData name="KimNamhyoung" userId="442ac80a-8cd4-4165-8fc5-0e4ac214a370" providerId="ADAL" clId="{9D5B359D-A5D5-4737-B9F0-EC76152A0CAF}" dt="2020-01-06T16:01:42.092" v="307" actId="164"/>
-          <ac:picMkLst>
-            <pc:docMk/>
-            <pc:sldMk cId="2849685737" sldId="332"/>
-            <ac:picMk id="6" creationId="{0425DA39-D85C-4BFF-B5B8-91121D8557BC}"/>
-          </ac:picMkLst>
-        </pc:picChg>
-        <pc:picChg chg="add mod">
-          <ac:chgData name="KimNamhyoung" userId="442ac80a-8cd4-4165-8fc5-0e4ac214a370" providerId="ADAL" clId="{9D5B359D-A5D5-4737-B9F0-EC76152A0CAF}" dt="2020-01-06T16:01:42.092" v="307" actId="164"/>
-          <ac:picMkLst>
-            <pc:docMk/>
-            <pc:sldMk cId="2849685737" sldId="332"/>
-            <ac:picMk id="7" creationId="{448BFB46-2B7C-4C1F-94F4-0534EE1590B0}"/>
-          </ac:picMkLst>
-        </pc:picChg>
-      </pc:sldChg>
-      <pc:sldChg chg="delSp">
-        <pc:chgData name="KimNamhyoung" userId="442ac80a-8cd4-4165-8fc5-0e4ac214a370" providerId="ADAL" clId="{9D5B359D-A5D5-4737-B9F0-EC76152A0CAF}" dt="2019-12-31T14:31:47.514" v="265" actId="478"/>
-        <pc:sldMkLst>
-          <pc:docMk/>
-          <pc:sldMk cId="536207168" sldId="336"/>
-        </pc:sldMkLst>
-        <pc:inkChg chg="del">
-          <ac:chgData name="KimNamhyoung" userId="442ac80a-8cd4-4165-8fc5-0e4ac214a370" providerId="ADAL" clId="{9D5B359D-A5D5-4737-B9F0-EC76152A0CAF}" dt="2019-12-31T14:31:47.514" v="265" actId="478"/>
-          <ac:inkMkLst>
-            <pc:docMk/>
-            <pc:sldMk cId="536207168" sldId="336"/>
-            <ac:inkMk id="97" creationId="{74C252B5-953C-4126-9088-9164ED742431}"/>
-          </ac:inkMkLst>
-        </pc:inkChg>
-      </pc:sldChg>
-      <pc:sldChg chg="delSp">
-        <pc:chgData name="KimNamhyoung" userId="442ac80a-8cd4-4165-8fc5-0e4ac214a370" providerId="ADAL" clId="{9D5B359D-A5D5-4737-B9F0-EC76152A0CAF}" dt="2019-12-31T14:06:22.095" v="258" actId="478"/>
-        <pc:sldMkLst>
-          <pc:docMk/>
-          <pc:sldMk cId="3579191837" sldId="337"/>
-        </pc:sldMkLst>
-        <pc:inkChg chg="del">
-          <ac:chgData name="KimNamhyoung" userId="442ac80a-8cd4-4165-8fc5-0e4ac214a370" providerId="ADAL" clId="{9D5B359D-A5D5-4737-B9F0-EC76152A0CAF}" dt="2019-12-31T14:06:17.495" v="256" actId="478"/>
-          <ac:inkMkLst>
-            <pc:docMk/>
-            <pc:sldMk cId="3579191837" sldId="337"/>
-            <ac:inkMk id="8" creationId="{9AAC214C-6DCA-47B1-829B-4A8CF1E4BE00}"/>
-          </ac:inkMkLst>
-        </pc:inkChg>
-        <pc:inkChg chg="del">
-          <ac:chgData name="KimNamhyoung" userId="442ac80a-8cd4-4165-8fc5-0e4ac214a370" providerId="ADAL" clId="{9D5B359D-A5D5-4737-B9F0-EC76152A0CAF}" dt="2019-12-31T14:06:19.669" v="257" actId="478"/>
-          <ac:inkMkLst>
-            <pc:docMk/>
-            <pc:sldMk cId="3579191837" sldId="337"/>
-            <ac:inkMk id="19" creationId="{DB5237B4-8BD9-4987-87E7-E86DBC12CA70}"/>
-          </ac:inkMkLst>
-        </pc:inkChg>
-        <pc:inkChg chg="del">
-          <ac:chgData name="KimNamhyoung" userId="442ac80a-8cd4-4165-8fc5-0e4ac214a370" providerId="ADAL" clId="{9D5B359D-A5D5-4737-B9F0-EC76152A0CAF}" dt="2019-12-31T14:06:22.095" v="258" actId="478"/>
-          <ac:inkMkLst>
-            <pc:docMk/>
-            <pc:sldMk cId="3579191837" sldId="337"/>
-            <ac:inkMk id="28" creationId="{B463F3BC-B01D-488D-B7F6-9FA9EA95FC25}"/>
-          </ac:inkMkLst>
-        </pc:inkChg>
-      </pc:sldChg>
-      <pc:sldChg chg="modSp">
-        <pc:chgData name="KimNamhyoung" userId="442ac80a-8cd4-4165-8fc5-0e4ac214a370" providerId="ADAL" clId="{9D5B359D-A5D5-4737-B9F0-EC76152A0CAF}" dt="2020-01-07T02:31:02.299" v="309" actId="1076"/>
-        <pc:sldMkLst>
-          <pc:docMk/>
-          <pc:sldMk cId="4290301824" sldId="345"/>
-        </pc:sldMkLst>
-        <pc:picChg chg="mod">
-          <ac:chgData name="KimNamhyoung" userId="442ac80a-8cd4-4165-8fc5-0e4ac214a370" providerId="ADAL" clId="{9D5B359D-A5D5-4737-B9F0-EC76152A0CAF}" dt="2020-01-07T02:31:02.299" v="309" actId="1076"/>
-          <ac:picMkLst>
-            <pc:docMk/>
-            <pc:sldMk cId="4290301824" sldId="345"/>
-            <ac:picMk id="4" creationId="{79D57239-B06B-4DD8-B66B-9BCB05FA3DDA}"/>
-          </ac:picMkLst>
-        </pc:picChg>
-      </pc:sldChg>
-      <pc:sldChg chg="addSp delSp modSp">
-        <pc:chgData name="KimNamhyoung" userId="442ac80a-8cd4-4165-8fc5-0e4ac214a370" providerId="ADAL" clId="{9D5B359D-A5D5-4737-B9F0-EC76152A0CAF}" dt="2019-12-31T14:57:42.677" v="290" actId="164"/>
-        <pc:sldMkLst>
-          <pc:docMk/>
-          <pc:sldMk cId="1925760938" sldId="352"/>
-        </pc:sldMkLst>
-        <pc:grpChg chg="add mod">
-          <ac:chgData name="KimNamhyoung" userId="442ac80a-8cd4-4165-8fc5-0e4ac214a370" providerId="ADAL" clId="{9D5B359D-A5D5-4737-B9F0-EC76152A0CAF}" dt="2019-12-31T14:57:42.677" v="290" actId="164"/>
-          <ac:grpSpMkLst>
-            <pc:docMk/>
-            <pc:sldMk cId="1925760938" sldId="352"/>
-            <ac:grpSpMk id="7" creationId="{932A7EB5-EC03-470F-BD78-BCC90CDC164C}"/>
-          </ac:grpSpMkLst>
-        </pc:grpChg>
-        <pc:picChg chg="add del mod">
-          <ac:chgData name="KimNamhyoung" userId="442ac80a-8cd4-4165-8fc5-0e4ac214a370" providerId="ADAL" clId="{9D5B359D-A5D5-4737-B9F0-EC76152A0CAF}" dt="2019-12-31T14:55:50.184" v="270" actId="478"/>
-          <ac:picMkLst>
-            <pc:docMk/>
-            <pc:sldMk cId="1925760938" sldId="352"/>
-            <ac:picMk id="4" creationId="{37A8C71F-BB0B-4110-81D4-5DB43133026F}"/>
-          </ac:picMkLst>
-        </pc:picChg>
-        <pc:picChg chg="mod">
-          <ac:chgData name="KimNamhyoung" userId="442ac80a-8cd4-4165-8fc5-0e4ac214a370" providerId="ADAL" clId="{9D5B359D-A5D5-4737-B9F0-EC76152A0CAF}" dt="2019-12-31T14:57:42.677" v="290" actId="164"/>
-          <ac:picMkLst>
-            <pc:docMk/>
-            <pc:sldMk cId="1925760938" sldId="352"/>
-            <ac:picMk id="5" creationId="{FB560127-CCE0-4F2B-A68E-1ED8968F06C5}"/>
-          </ac:picMkLst>
-        </pc:picChg>
-        <pc:picChg chg="add mod modCrop">
-          <ac:chgData name="KimNamhyoung" userId="442ac80a-8cd4-4165-8fc5-0e4ac214a370" providerId="ADAL" clId="{9D5B359D-A5D5-4737-B9F0-EC76152A0CAF}" dt="2019-12-31T14:57:42.677" v="290" actId="164"/>
-          <ac:picMkLst>
-            <pc:docMk/>
-            <pc:sldMk cId="1925760938" sldId="352"/>
-            <ac:picMk id="6" creationId="{071A477D-67CF-409E-ACD4-5DE938F238E9}"/>
-          </ac:picMkLst>
-        </pc:picChg>
-      </pc:sldChg>
-      <pc:sldChg chg="modSp">
-        <pc:chgData name="KimNamhyoung" userId="442ac80a-8cd4-4165-8fc5-0e4ac214a370" providerId="ADAL" clId="{9D5B359D-A5D5-4737-B9F0-EC76152A0CAF}" dt="2020-01-07T02:57:48.287" v="310" actId="1076"/>
-        <pc:sldMkLst>
-          <pc:docMk/>
-          <pc:sldMk cId="133212441" sldId="370"/>
-        </pc:sldMkLst>
-        <pc:picChg chg="mod">
-          <ac:chgData name="KimNamhyoung" userId="442ac80a-8cd4-4165-8fc5-0e4ac214a370" providerId="ADAL" clId="{9D5B359D-A5D5-4737-B9F0-EC76152A0CAF}" dt="2020-01-07T02:57:48.287" v="310" actId="1076"/>
-          <ac:picMkLst>
-            <pc:docMk/>
-            <pc:sldMk cId="133212441" sldId="370"/>
-            <ac:picMk id="5" creationId="{642BEDC9-1A6D-46C5-81D0-AD05A869B51C}"/>
-          </ac:picMkLst>
-        </pc:picChg>
-      </pc:sldChg>
-      <pc:sldChg chg="modSp">
-        <pc:chgData name="KimNamhyoung" userId="442ac80a-8cd4-4165-8fc5-0e4ac214a370" providerId="ADAL" clId="{9D5B359D-A5D5-4737-B9F0-EC76152A0CAF}" dt="2019-12-31T16:23:24.862" v="294"/>
-        <pc:sldMkLst>
-          <pc:docMk/>
-          <pc:sldMk cId="1866844256" sldId="378"/>
-        </pc:sldMkLst>
-        <pc:spChg chg="mod">
-          <ac:chgData name="KimNamhyoung" userId="442ac80a-8cd4-4165-8fc5-0e4ac214a370" providerId="ADAL" clId="{9D5B359D-A5D5-4737-B9F0-EC76152A0CAF}" dt="2019-12-31T16:23:24.862" v="294"/>
-          <ac:spMkLst>
-            <pc:docMk/>
-            <pc:sldMk cId="1866844256" sldId="378"/>
-            <ac:spMk id="3" creationId="{A78A9532-2F4F-4CDA-A6D8-C50136CBC3BD}"/>
-          </ac:spMkLst>
-        </pc:spChg>
       </pc:sldChg>
     </pc:docChg>
   </pc:docChgLst>
@@ -3811,7 +3865,7 @@
           <a:p>
             <a:fld id="{A60BD853-28C5-654E-8400-6A68EE6477C4}" type="datetimeFigureOut">
               <a:rPr lang="en-US" smtClean="0"/>
-              <a:t>1/2/2021</a:t>
+              <a:t>1/3/2021</a:t>
             </a:fld>
             <a:endParaRPr lang="en-US"/>
           </a:p>
@@ -4584,7 +4638,7 @@
               <a:pPr>
                 <a:defRPr/>
               </a:pPr>
-              <a:t>1/2/2021</a:t>
+              <a:t>1/3/2021</a:t>
             </a:fld>
             <a:endParaRPr lang="en-US"/>
           </a:p>
@@ -13595,6 +13649,26 @@
           </a:p>
           <a:p>
             <a:pPr lvl="1"/>
+            <a:r>
+              <a:rPr lang="en-US" altLang="ko-KR" dirty="0" err="1"/>
+              <a:t>dir</a:t>
+            </a:r>
+            <a:r>
+              <a:rPr lang="en-US" altLang="ko-KR" dirty="0"/>
+              <a:t>(</a:t>
+            </a:r>
+            <a:r>
+              <a:rPr lang="ko-KR" altLang="en-US" dirty="0" err="1"/>
+              <a:t>객체명</a:t>
+            </a:r>
+            <a:r>
+              <a:rPr lang="en-US" altLang="ko-KR" dirty="0"/>
+              <a:t>) </a:t>
+            </a:r>
+            <a:r>
+              <a:rPr lang="ko-KR" altLang="en-US" dirty="0"/>
+              <a:t>함수를 이용하여 속성과 메서드 목록 확인 가능</a:t>
+            </a:r>
             <a:endParaRPr lang="en-US" altLang="ko-KR" dirty="0"/>
           </a:p>
           <a:p>
@@ -13892,7 +13966,7 @@
         </p:blipFill>
         <p:spPr bwMode="auto">
           <a:xfrm>
-            <a:off x="733488" y="1925165"/>
+            <a:off x="5146098" y="1723829"/>
             <a:ext cx="3497611" cy="4772520"/>
           </a:xfrm>
           <a:prstGeom prst="rect">
@@ -13933,10 +14007,40 @@
           </a:extLst>
         </p:spPr>
       </p:pic>
+      <p:pic>
+        <p:nvPicPr>
+          <p:cNvPr id="5" name="그림 4">
+            <a:extLst>
+              <a:ext uri="{FF2B5EF4-FFF2-40B4-BE49-F238E27FC236}">
+                <a16:creationId xmlns:a16="http://schemas.microsoft.com/office/drawing/2014/main" id="{97565A0C-2A6E-4EB5-9986-BC7D231B102C}"/>
+              </a:ext>
+            </a:extLst>
+          </p:cNvPr>
+          <p:cNvPicPr>
+            <a:picLocks noChangeAspect="1"/>
+          </p:cNvPicPr>
+          <p:nvPr/>
+        </p:nvPicPr>
+        <p:blipFill>
+          <a:blip r:embed="rId3"/>
+          <a:stretch>
+            <a:fillRect/>
+          </a:stretch>
+        </p:blipFill>
+        <p:spPr>
+          <a:xfrm>
+            <a:off x="666646" y="1860669"/>
+            <a:ext cx="3900592" cy="3622515"/>
+          </a:xfrm>
+          <a:prstGeom prst="rect">
+            <a:avLst/>
+          </a:prstGeom>
+        </p:spPr>
+      </p:pic>
     </p:spTree>
     <p:extLst>
       <p:ext uri="{BB962C8B-B14F-4D97-AF65-F5344CB8AC3E}">
-        <p14:creationId xmlns:p14="http://schemas.microsoft.com/office/powerpoint/2010/main" val="1791322728"/>
+        <p14:creationId xmlns:p14="http://schemas.microsoft.com/office/powerpoint/2010/main" val="3594350860"/>
       </p:ext>
     </p:extLst>
   </p:cSld>

--- a/ch1 basic.pptx
+++ b/ch1 basic.pptx
@@ -194,7 +194,7 @@
 <file path=ppt/revisionInfo.xml><?xml version="1.0" encoding="utf-8"?>
 <p1510:revInfo xmlns:a="http://schemas.openxmlformats.org/drawingml/2006/main" xmlns:r="http://schemas.openxmlformats.org/officeDocument/2006/relationships" xmlns:p1510="http://schemas.microsoft.com/office/powerpoint/2015/10/main">
   <p1510:revLst>
-    <p1510:client id="{32D5A825-2652-448E-8DD4-C2CB5AB9B21A}" v="14" dt="2021-01-03T13:43:38.897"/>
+    <p1510:client id="{32D5A825-2652-448E-8DD4-C2CB5AB9B21A}" v="40" dt="2021-01-03T16:29:38.380"/>
   </p1510:revLst>
 </p1510:revInfo>
 </file>
@@ -1400,7 +1400,7 @@
   <pc:docChgLst>
     <pc:chgData name="KimNamhyoung" userId="442ac80a-8cd4-4165-8fc5-0e4ac214a370" providerId="ADAL" clId="{32D5A825-2652-448E-8DD4-C2CB5AB9B21A}"/>
     <pc:docChg chg="undo custSel addSld delSld modSld">
-      <pc:chgData name="KimNamhyoung" userId="442ac80a-8cd4-4165-8fc5-0e4ac214a370" providerId="ADAL" clId="{32D5A825-2652-448E-8DD4-C2CB5AB9B21A}" dt="2021-01-03T13:43:50.770" v="151" actId="47"/>
+      <pc:chgData name="KimNamhyoung" userId="442ac80a-8cd4-4165-8fc5-0e4ac214a370" providerId="ADAL" clId="{32D5A825-2652-448E-8DD4-C2CB5AB9B21A}" dt="2021-01-03T16:29:38.380" v="201"/>
       <pc:docMkLst>
         <pc:docMk/>
       </pc:docMkLst>
@@ -1425,6 +1425,243 @@
           <pc:docMk/>
           <pc:sldMk cId="1791322728" sldId="299"/>
         </pc:sldMkLst>
+      </pc:sldChg>
+      <pc:sldChg chg="modSp mod">
+        <pc:chgData name="KimNamhyoung" userId="442ac80a-8cd4-4165-8fc5-0e4ac214a370" providerId="ADAL" clId="{32D5A825-2652-448E-8DD4-C2CB5AB9B21A}" dt="2021-01-03T15:00:10.978" v="155"/>
+        <pc:sldMkLst>
+          <pc:docMk/>
+          <pc:sldMk cId="3194091744" sldId="323"/>
+        </pc:sldMkLst>
+        <pc:spChg chg="mod">
+          <ac:chgData name="KimNamhyoung" userId="442ac80a-8cd4-4165-8fc5-0e4ac214a370" providerId="ADAL" clId="{32D5A825-2652-448E-8DD4-C2CB5AB9B21A}" dt="2021-01-03T15:00:10.978" v="155"/>
+          <ac:spMkLst>
+            <pc:docMk/>
+            <pc:sldMk cId="3194091744" sldId="323"/>
+            <ac:spMk id="3" creationId="{A78A9532-2F4F-4CDA-A6D8-C50136CBC3BD}"/>
+          </ac:spMkLst>
+        </pc:spChg>
+        <pc:picChg chg="mod">
+          <ac:chgData name="KimNamhyoung" userId="442ac80a-8cd4-4165-8fc5-0e4ac214a370" providerId="ADAL" clId="{32D5A825-2652-448E-8DD4-C2CB5AB9B21A}" dt="2021-01-03T15:00:03.395" v="152" actId="1076"/>
+          <ac:picMkLst>
+            <pc:docMk/>
+            <pc:sldMk cId="3194091744" sldId="323"/>
+            <ac:picMk id="5" creationId="{FC9274BF-F501-4EDE-A878-79E057067389}"/>
+          </ac:picMkLst>
+        </pc:picChg>
+      </pc:sldChg>
+      <pc:sldChg chg="modSp setBg">
+        <pc:chgData name="KimNamhyoung" userId="442ac80a-8cd4-4165-8fc5-0e4ac214a370" providerId="ADAL" clId="{32D5A825-2652-448E-8DD4-C2CB5AB9B21A}" dt="2021-01-03T15:49:10.572" v="156"/>
+        <pc:sldMkLst>
+          <pc:docMk/>
+          <pc:sldMk cId="3573777215" sldId="344"/>
+        </pc:sldMkLst>
+        <pc:spChg chg="mod">
+          <ac:chgData name="KimNamhyoung" userId="442ac80a-8cd4-4165-8fc5-0e4ac214a370" providerId="ADAL" clId="{32D5A825-2652-448E-8DD4-C2CB5AB9B21A}" dt="2021-01-03T15:49:10.572" v="156"/>
+          <ac:spMkLst>
+            <pc:docMk/>
+            <pc:sldMk cId="3573777215" sldId="344"/>
+            <ac:spMk id="2" creationId="{30A05CDF-51ED-4278-AA11-1745E5809FF2}"/>
+          </ac:spMkLst>
+        </pc:spChg>
+      </pc:sldChg>
+      <pc:sldChg chg="addSp delSp modSp mod">
+        <pc:chgData name="KimNamhyoung" userId="442ac80a-8cd4-4165-8fc5-0e4ac214a370" providerId="ADAL" clId="{32D5A825-2652-448E-8DD4-C2CB5AB9B21A}" dt="2021-01-03T16:29:38.380" v="201"/>
+        <pc:sldMkLst>
+          <pc:docMk/>
+          <pc:sldMk cId="4265438702" sldId="367"/>
+        </pc:sldMkLst>
+        <pc:grpChg chg="del mod">
+          <ac:chgData name="KimNamhyoung" userId="442ac80a-8cd4-4165-8fc5-0e4ac214a370" providerId="ADAL" clId="{32D5A825-2652-448E-8DD4-C2CB5AB9B21A}" dt="2021-01-03T16:29:38.379" v="198"/>
+          <ac:grpSpMkLst>
+            <pc:docMk/>
+            <pc:sldMk cId="4265438702" sldId="367"/>
+            <ac:grpSpMk id="12" creationId="{28058F76-5961-473B-B350-0C6ECE8E7D15}"/>
+          </ac:grpSpMkLst>
+        </pc:grpChg>
+        <pc:grpChg chg="del mod">
+          <ac:chgData name="KimNamhyoung" userId="442ac80a-8cd4-4165-8fc5-0e4ac214a370" providerId="ADAL" clId="{32D5A825-2652-448E-8DD4-C2CB5AB9B21A}" dt="2021-01-03T16:29:38.379" v="197"/>
+          <ac:grpSpMkLst>
+            <pc:docMk/>
+            <pc:sldMk cId="4265438702" sldId="367"/>
+            <ac:grpSpMk id="20" creationId="{5FE3A177-FF43-460C-9264-2AF2CB6B6413}"/>
+          </ac:grpSpMkLst>
+        </pc:grpChg>
+        <pc:grpChg chg="del mod">
+          <ac:chgData name="KimNamhyoung" userId="442ac80a-8cd4-4165-8fc5-0e4ac214a370" providerId="ADAL" clId="{32D5A825-2652-448E-8DD4-C2CB5AB9B21A}" dt="2021-01-03T16:29:38.377" v="186"/>
+          <ac:grpSpMkLst>
+            <pc:docMk/>
+            <pc:sldMk cId="4265438702" sldId="367"/>
+            <ac:grpSpMk id="28" creationId="{B06175BD-8787-493C-86F6-148FC9BCEF3D}"/>
+          </ac:grpSpMkLst>
+        </pc:grpChg>
+        <pc:inkChg chg="add del">
+          <ac:chgData name="KimNamhyoung" userId="442ac80a-8cd4-4165-8fc5-0e4ac214a370" providerId="ADAL" clId="{32D5A825-2652-448E-8DD4-C2CB5AB9B21A}" dt="2021-01-03T16:29:38.377" v="190"/>
+          <ac:inkMkLst>
+            <pc:docMk/>
+            <pc:sldMk cId="4265438702" sldId="367"/>
+            <ac:inkMk id="5" creationId="{2975567F-FFE2-4103-A9B2-0554CEEAFF69}"/>
+          </ac:inkMkLst>
+        </pc:inkChg>
+        <pc:inkChg chg="add del mod">
+          <ac:chgData name="KimNamhyoung" userId="442ac80a-8cd4-4165-8fc5-0e4ac214a370" providerId="ADAL" clId="{32D5A825-2652-448E-8DD4-C2CB5AB9B21A}" dt="2021-01-03T16:29:38.378" v="191"/>
+          <ac:inkMkLst>
+            <pc:docMk/>
+            <pc:sldMk cId="4265438702" sldId="367"/>
+            <ac:inkMk id="6" creationId="{631917C1-4C1E-418D-9015-3EA4379961A0}"/>
+          </ac:inkMkLst>
+        </pc:inkChg>
+        <pc:inkChg chg="add del mod">
+          <ac:chgData name="KimNamhyoung" userId="442ac80a-8cd4-4165-8fc5-0e4ac214a370" providerId="ADAL" clId="{32D5A825-2652-448E-8DD4-C2CB5AB9B21A}" dt="2021-01-03T16:29:38.378" v="192"/>
+          <ac:inkMkLst>
+            <pc:docMk/>
+            <pc:sldMk cId="4265438702" sldId="367"/>
+            <ac:inkMk id="7" creationId="{1D9DFCC3-D12A-4755-946B-89213AAC4AD3}"/>
+          </ac:inkMkLst>
+        </pc:inkChg>
+        <pc:inkChg chg="add del mod">
+          <ac:chgData name="KimNamhyoung" userId="442ac80a-8cd4-4165-8fc5-0e4ac214a370" providerId="ADAL" clId="{32D5A825-2652-448E-8DD4-C2CB5AB9B21A}" dt="2021-01-03T16:29:38.379" v="200"/>
+          <ac:inkMkLst>
+            <pc:docMk/>
+            <pc:sldMk cId="4265438702" sldId="367"/>
+            <ac:inkMk id="8" creationId="{339E15AD-7EFC-4BE9-BE52-5457570DD654}"/>
+          </ac:inkMkLst>
+        </pc:inkChg>
+        <pc:inkChg chg="add del mod">
+          <ac:chgData name="KimNamhyoung" userId="442ac80a-8cd4-4165-8fc5-0e4ac214a370" providerId="ADAL" clId="{32D5A825-2652-448E-8DD4-C2CB5AB9B21A}" dt="2021-01-03T16:29:38.379" v="198"/>
+          <ac:inkMkLst>
+            <pc:docMk/>
+            <pc:sldMk cId="4265438702" sldId="367"/>
+            <ac:inkMk id="9" creationId="{C2922817-C36E-4543-A645-41508C049FFC}"/>
+          </ac:inkMkLst>
+        </pc:inkChg>
+        <pc:inkChg chg="add del mod">
+          <ac:chgData name="KimNamhyoung" userId="442ac80a-8cd4-4165-8fc5-0e4ac214a370" providerId="ADAL" clId="{32D5A825-2652-448E-8DD4-C2CB5AB9B21A}" dt="2021-01-03T16:29:38.376" v="183"/>
+          <ac:inkMkLst>
+            <pc:docMk/>
+            <pc:sldMk cId="4265438702" sldId="367"/>
+            <ac:inkMk id="10" creationId="{D660D8D2-1438-43A4-B9A2-2AD28A066929}"/>
+          </ac:inkMkLst>
+        </pc:inkChg>
+        <pc:inkChg chg="add del">
+          <ac:chgData name="KimNamhyoung" userId="442ac80a-8cd4-4165-8fc5-0e4ac214a370" providerId="ADAL" clId="{32D5A825-2652-448E-8DD4-C2CB5AB9B21A}" dt="2021-01-03T16:29:38.378" v="195"/>
+          <ac:inkMkLst>
+            <pc:docMk/>
+            <pc:sldMk cId="4265438702" sldId="367"/>
+            <ac:inkMk id="11" creationId="{CAC47BFD-9889-44D2-93CB-E64FAA2162FB}"/>
+          </ac:inkMkLst>
+        </pc:inkChg>
+        <pc:inkChg chg="add del mod">
+          <ac:chgData name="KimNamhyoung" userId="442ac80a-8cd4-4165-8fc5-0e4ac214a370" providerId="ADAL" clId="{32D5A825-2652-448E-8DD4-C2CB5AB9B21A}" dt="2021-01-03T16:29:38.379" v="197"/>
+          <ac:inkMkLst>
+            <pc:docMk/>
+            <pc:sldMk cId="4265438702" sldId="367"/>
+            <ac:inkMk id="13" creationId="{37237BCC-97F6-4962-ACD5-CFF1B76F1DBA}"/>
+          </ac:inkMkLst>
+        </pc:inkChg>
+        <pc:inkChg chg="add del mod">
+          <ac:chgData name="KimNamhyoung" userId="442ac80a-8cd4-4165-8fc5-0e4ac214a370" providerId="ADAL" clId="{32D5A825-2652-448E-8DD4-C2CB5AB9B21A}" dt="2021-01-03T16:29:38.378" v="193"/>
+          <ac:inkMkLst>
+            <pc:docMk/>
+            <pc:sldMk cId="4265438702" sldId="367"/>
+            <ac:inkMk id="14" creationId="{5180F4B4-B97A-472E-9E2D-C1BF0ADE8EF8}"/>
+          </ac:inkMkLst>
+        </pc:inkChg>
+        <pc:inkChg chg="add del mod">
+          <ac:chgData name="KimNamhyoung" userId="442ac80a-8cd4-4165-8fc5-0e4ac214a370" providerId="ADAL" clId="{32D5A825-2652-448E-8DD4-C2CB5AB9B21A}" dt="2021-01-03T16:29:38.377" v="188"/>
+          <ac:inkMkLst>
+            <pc:docMk/>
+            <pc:sldMk cId="4265438702" sldId="367"/>
+            <ac:inkMk id="15" creationId="{A59604EE-1F38-465E-AF26-E098364B9E3A}"/>
+          </ac:inkMkLst>
+        </pc:inkChg>
+        <pc:inkChg chg="add del mod">
+          <ac:chgData name="KimNamhyoung" userId="442ac80a-8cd4-4165-8fc5-0e4ac214a370" providerId="ADAL" clId="{32D5A825-2652-448E-8DD4-C2CB5AB9B21A}" dt="2021-01-03T16:29:38.378" v="194"/>
+          <ac:inkMkLst>
+            <pc:docMk/>
+            <pc:sldMk cId="4265438702" sldId="367"/>
+            <ac:inkMk id="16" creationId="{58C311AB-D049-4005-A0DA-71DD63F61606}"/>
+          </ac:inkMkLst>
+        </pc:inkChg>
+        <pc:inkChg chg="add del mod">
+          <ac:chgData name="KimNamhyoung" userId="442ac80a-8cd4-4165-8fc5-0e4ac214a370" providerId="ADAL" clId="{32D5A825-2652-448E-8DD4-C2CB5AB9B21A}" dt="2021-01-03T16:29:38.379" v="196"/>
+          <ac:inkMkLst>
+            <pc:docMk/>
+            <pc:sldMk cId="4265438702" sldId="367"/>
+            <ac:inkMk id="17" creationId="{0BCFFC40-24C8-486D-BA34-8729792C1BAC}"/>
+          </ac:inkMkLst>
+        </pc:inkChg>
+        <pc:inkChg chg="add del mod">
+          <ac:chgData name="KimNamhyoung" userId="442ac80a-8cd4-4165-8fc5-0e4ac214a370" providerId="ADAL" clId="{32D5A825-2652-448E-8DD4-C2CB5AB9B21A}" dt="2021-01-03T16:29:38.376" v="182"/>
+          <ac:inkMkLst>
+            <pc:docMk/>
+            <pc:sldMk cId="4265438702" sldId="367"/>
+            <ac:inkMk id="18" creationId="{B5B584BF-7052-4D78-B72F-41623BED3F7B}"/>
+          </ac:inkMkLst>
+        </pc:inkChg>
+        <pc:inkChg chg="add del mod">
+          <ac:chgData name="KimNamhyoung" userId="442ac80a-8cd4-4165-8fc5-0e4ac214a370" providerId="ADAL" clId="{32D5A825-2652-448E-8DD4-C2CB5AB9B21A}" dt="2021-01-03T16:29:38.379" v="199"/>
+          <ac:inkMkLst>
+            <pc:docMk/>
+            <pc:sldMk cId="4265438702" sldId="367"/>
+            <ac:inkMk id="19" creationId="{2A7D21B4-15BC-47B8-9895-5911E6DBB9B9}"/>
+          </ac:inkMkLst>
+        </pc:inkChg>
+        <pc:inkChg chg="add del">
+          <ac:chgData name="KimNamhyoung" userId="442ac80a-8cd4-4165-8fc5-0e4ac214a370" providerId="ADAL" clId="{32D5A825-2652-448E-8DD4-C2CB5AB9B21A}" dt="2021-01-03T16:29:38.380" v="201"/>
+          <ac:inkMkLst>
+            <pc:docMk/>
+            <pc:sldMk cId="4265438702" sldId="367"/>
+            <ac:inkMk id="21" creationId="{75427EA8-A44F-4BC9-8FF8-1D411033EFB1}"/>
+          </ac:inkMkLst>
+        </pc:inkChg>
+        <pc:inkChg chg="add del">
+          <ac:chgData name="KimNamhyoung" userId="442ac80a-8cd4-4165-8fc5-0e4ac214a370" providerId="ADAL" clId="{32D5A825-2652-448E-8DD4-C2CB5AB9B21A}" dt="2021-01-03T16:29:38.377" v="185"/>
+          <ac:inkMkLst>
+            <pc:docMk/>
+            <pc:sldMk cId="4265438702" sldId="367"/>
+            <ac:inkMk id="22" creationId="{6C60802A-C837-4A1C-B719-4F00A3E59F62}"/>
+          </ac:inkMkLst>
+        </pc:inkChg>
+        <pc:inkChg chg="add del mod">
+          <ac:chgData name="KimNamhyoung" userId="442ac80a-8cd4-4165-8fc5-0e4ac214a370" providerId="ADAL" clId="{32D5A825-2652-448E-8DD4-C2CB5AB9B21A}" dt="2021-01-03T16:29:38.376" v="181"/>
+          <ac:inkMkLst>
+            <pc:docMk/>
+            <pc:sldMk cId="4265438702" sldId="367"/>
+            <ac:inkMk id="23" creationId="{14FE9D8B-0B44-4285-84E5-264853B003B6}"/>
+          </ac:inkMkLst>
+        </pc:inkChg>
+        <pc:inkChg chg="add del mod">
+          <ac:chgData name="KimNamhyoung" userId="442ac80a-8cd4-4165-8fc5-0e4ac214a370" providerId="ADAL" clId="{32D5A825-2652-448E-8DD4-C2CB5AB9B21A}" dt="2021-01-03T16:29:38.377" v="187"/>
+          <ac:inkMkLst>
+            <pc:docMk/>
+            <pc:sldMk cId="4265438702" sldId="367"/>
+            <ac:inkMk id="24" creationId="{01CE4C4F-A79C-46D8-930B-E607E1E5D8E0}"/>
+          </ac:inkMkLst>
+        </pc:inkChg>
+        <pc:inkChg chg="add del mod">
+          <ac:chgData name="KimNamhyoung" userId="442ac80a-8cd4-4165-8fc5-0e4ac214a370" providerId="ADAL" clId="{32D5A825-2652-448E-8DD4-C2CB5AB9B21A}" dt="2021-01-03T16:29:38.377" v="186"/>
+          <ac:inkMkLst>
+            <pc:docMk/>
+            <pc:sldMk cId="4265438702" sldId="367"/>
+            <ac:inkMk id="25" creationId="{FFEB5137-A015-41EA-B0B5-E729D05D1FEE}"/>
+          </ac:inkMkLst>
+        </pc:inkChg>
+        <pc:inkChg chg="add del">
+          <ac:chgData name="KimNamhyoung" userId="442ac80a-8cd4-4165-8fc5-0e4ac214a370" providerId="ADAL" clId="{32D5A825-2652-448E-8DD4-C2CB5AB9B21A}" dt="2021-01-03T16:29:38.377" v="189"/>
+          <ac:inkMkLst>
+            <pc:docMk/>
+            <pc:sldMk cId="4265438702" sldId="367"/>
+            <ac:inkMk id="26" creationId="{E1C84970-AEC0-48EC-B472-43ECA8F81E67}"/>
+          </ac:inkMkLst>
+        </pc:inkChg>
+        <pc:inkChg chg="add del">
+          <ac:chgData name="KimNamhyoung" userId="442ac80a-8cd4-4165-8fc5-0e4ac214a370" providerId="ADAL" clId="{32D5A825-2652-448E-8DD4-C2CB5AB9B21A}" dt="2021-01-03T16:29:38.376" v="184"/>
+          <ac:inkMkLst>
+            <pc:docMk/>
+            <pc:sldMk cId="4265438702" sldId="367"/>
+            <ac:inkMk id="27" creationId="{1461134A-7339-4BD2-962C-A499D467BADF}"/>
+          </ac:inkMkLst>
+        </pc:inkChg>
       </pc:sldChg>
       <pc:sldChg chg="addSp modSp add mod">
         <pc:chgData name="KimNamhyoung" userId="442ac80a-8cd4-4165-8fc5-0e4ac214a370" providerId="ADAL" clId="{32D5A825-2652-448E-8DD4-C2CB5AB9B21A}" dt="2021-01-03T13:43:38.896" v="150" actId="1076"/>
@@ -19779,7 +20016,7 @@
         <p:spPr>
           <a:xfrm>
             <a:off x="236539" y="1060450"/>
-            <a:ext cx="8670925" cy="800219"/>
+            <a:ext cx="8670925" cy="1169551"/>
           </a:xfrm>
         </p:spPr>
         <p:txBody>
@@ -19789,6 +20026,16 @@
             <a:r>
               <a:rPr lang="ko-KR" altLang="en-US" dirty="0"/>
               <a:t>날짜와 시간</a:t>
+            </a:r>
+            <a:endParaRPr lang="en-US" altLang="ko-KR" dirty="0"/>
+          </a:p>
+          <a:p>
+            <a:pPr lvl="1"/>
+            <a:r>
+              <a:rPr lang="en-US" altLang="ko-KR" dirty="0">
+                <a:hlinkClick r:id="rId2"/>
+              </a:rPr>
+              <a:t>https://docs.python.org/ko/3/library/datetime.html</a:t>
             </a:r>
             <a:endParaRPr lang="en-US" altLang="ko-KR" dirty="0"/>
           </a:p>
@@ -19813,14 +20060,14 @@
           <p:nvPr/>
         </p:nvPicPr>
         <p:blipFill>
-          <a:blip r:embed="rId2"/>
+          <a:blip r:embed="rId3"/>
           <a:stretch>
             <a:fillRect/>
           </a:stretch>
         </p:blipFill>
         <p:spPr>
           <a:xfrm>
-            <a:off x="1300162" y="1585912"/>
+            <a:off x="1174902" y="2111375"/>
             <a:ext cx="6543675" cy="3686175"/>
           </a:xfrm>
           <a:prstGeom prst="rect">
@@ -21248,6 +21495,22 @@
 <file path=ppt/slides/slide43.xml><?xml version="1.0" encoding="utf-8"?>
 <p:sld xmlns:a="http://schemas.openxmlformats.org/drawingml/2006/main" xmlns:r="http://schemas.openxmlformats.org/officeDocument/2006/relationships" xmlns:p="http://schemas.openxmlformats.org/presentationml/2006/main">
   <p:cSld>
+    <p:bg>
+      <p:bgPr>
+        <a:gradFill rotWithShape="1">
+          <a:gsLst>
+            <a:gs pos="0">
+              <a:srgbClr val="10253F"/>
+            </a:gs>
+            <a:gs pos="100000">
+              <a:schemeClr val="tx1"/>
+            </a:gs>
+          </a:gsLst>
+          <a:lin ang="5400000" scaled="1"/>
+        </a:gradFill>
+        <a:effectLst/>
+      </p:bgPr>
+    </p:bg>
     <p:spTree>
       <p:nvGrpSpPr>
         <p:cNvPr id="1" name=""/>
@@ -21339,7 +21602,7 @@
           <p:nvPr/>
         </p:nvPicPr>
         <p:blipFill>
-          <a:blip r:embed="rId2"/>
+          <a:blip r:embed="rId3"/>
           <a:stretch>
             <a:fillRect/>
           </a:stretch>
@@ -21362,7 +21625,7 @@
     </p:extLst>
   </p:cSld>
   <p:clrMapOvr>
-    <a:masterClrMapping/>
+    <a:overrideClrMapping bg1="lt1" tx1="dk1" bg2="lt2" tx2="dk2" accent1="accent1" accent2="accent2" accent3="accent3" accent4="accent4" accent5="accent5" accent6="accent6" hlink="hlink" folHlink="folHlink"/>
   </p:clrMapOvr>
 </p:sld>
 </file>
@@ -31427,4 +31690,47 @@
     </a:ext>
   </a:extLst>
 </a:theme>
+</file>
+
+<file path=ppt/theme/themeOverride1.xml><?xml version="1.0" encoding="utf-8"?>
+<a:themeOverride xmlns:a="http://schemas.openxmlformats.org/drawingml/2006/main">
+  <a:clrScheme name="Office">
+    <a:dk1>
+      <a:sysClr val="windowText" lastClr="000000"/>
+    </a:dk1>
+    <a:lt1>
+      <a:sysClr val="window" lastClr="FFFFFF"/>
+    </a:lt1>
+    <a:dk2>
+      <a:srgbClr val="1F497D"/>
+    </a:dk2>
+    <a:lt2>
+      <a:srgbClr val="EEECE1"/>
+    </a:lt2>
+    <a:accent1>
+      <a:srgbClr val="4F81BD"/>
+    </a:accent1>
+    <a:accent2>
+      <a:srgbClr val="C0504D"/>
+    </a:accent2>
+    <a:accent3>
+      <a:srgbClr val="9BBB59"/>
+    </a:accent3>
+    <a:accent4>
+      <a:srgbClr val="8064A2"/>
+    </a:accent4>
+    <a:accent5>
+      <a:srgbClr val="4BACC6"/>
+    </a:accent5>
+    <a:accent6>
+      <a:srgbClr val="F79646"/>
+    </a:accent6>
+    <a:hlink>
+      <a:srgbClr val="0000FF"/>
+    </a:hlink>
+    <a:folHlink>
+      <a:srgbClr val="800080"/>
+    </a:folHlink>
+  </a:clrScheme>
+</a:themeOverride>
 </file>